--- a/Chapitre_01_Energetique/Application_99_Quille/images/Figure.pptx
+++ b/Chapitre_01_Energetique/Application_99_Quille/images/Figure.pptx
@@ -6,7 +6,8 @@
   </p:sldMasterIdLst>
   <p:sldIdLst>
     <p:sldId id="256" r:id="rId2"/>
-    <p:sldId id="257" r:id="rId3"/>
+    <p:sldId id="258" r:id="rId3"/>
+    <p:sldId id="257" r:id="rId4"/>
   </p:sldIdLst>
   <p:sldSz cx="9144000" cy="6858000" type="screen4x3"/>
   <p:notesSz cx="6858000" cy="9144000"/>
@@ -105,6 +106,22 @@
       </a:defRPr>
     </a:lvl9pPr>
   </p:defaultTextStyle>
+  <p:extLst>
+    <p:ext uri="{EFAFB233-063F-42B5-8137-9DF3F51BA10A}">
+      <p15:sldGuideLst xmlns:p15="http://schemas.microsoft.com/office/powerpoint/2012/main">
+        <p15:guide id="1" orient="horz" pos="2160">
+          <p15:clr>
+            <a:srgbClr val="A4A3A4"/>
+          </p15:clr>
+        </p15:guide>
+        <p15:guide id="2" pos="2880">
+          <p15:clr>
+            <a:srgbClr val="A4A3A4"/>
+          </p15:clr>
+        </p15:guide>
+      </p15:sldGuideLst>
+    </p:ext>
+  </p:extLst>
 </p:presentation>
 </file>
 
@@ -146,7 +163,7 @@
           <a:lstStyle/>
           <a:p>
             <a:r>
-              <a:rPr lang="fr-FR" smtClean="0"/>
+              <a:rPr lang="fr-FR"/>
               <a:t>Cliquez pour modifier le style du titre</a:t>
             </a:r>
             <a:endParaRPr lang="fr-BE"/>
@@ -265,7 +282,7 @@
           </a:lstStyle>
           <a:p>
             <a:r>
-              <a:rPr lang="fr-FR" smtClean="0"/>
+              <a:rPr lang="fr-FR"/>
               <a:t>Cliquez pour modifier le style des sous-titres du masque</a:t>
             </a:r>
             <a:endParaRPr lang="fr-BE"/>
@@ -289,7 +306,7 @@
           <a:p>
             <a:fld id="{AA309A6D-C09C-4548-B29A-6CF363A7E532}" type="datetimeFigureOut">
               <a:rPr lang="fr-FR" smtClean="0"/>
-              <a:t>18/04/2018</a:t>
+              <a:t>14/12/2018</a:t>
             </a:fld>
             <a:endParaRPr lang="fr-BE"/>
           </a:p>
@@ -378,7 +395,7 @@
           <a:lstStyle/>
           <a:p>
             <a:r>
-              <a:rPr lang="fr-FR" smtClean="0"/>
+              <a:rPr lang="fr-FR"/>
               <a:t>Cliquez pour modifier le style du titre</a:t>
             </a:r>
             <a:endParaRPr lang="fr-BE"/>
@@ -402,35 +419,35 @@
           <a:p>
             <a:pPr lvl="0"/>
             <a:r>
-              <a:rPr lang="fr-FR" smtClean="0"/>
+              <a:rPr lang="fr-FR"/>
               <a:t>Cliquez pour modifier les styles du texte du masque</a:t>
             </a:r>
           </a:p>
           <a:p>
             <a:pPr lvl="1"/>
             <a:r>
-              <a:rPr lang="fr-FR" smtClean="0"/>
+              <a:rPr lang="fr-FR"/>
               <a:t>Deuxième niveau</a:t>
             </a:r>
           </a:p>
           <a:p>
             <a:pPr lvl="2"/>
             <a:r>
-              <a:rPr lang="fr-FR" smtClean="0"/>
+              <a:rPr lang="fr-FR"/>
               <a:t>Troisième niveau</a:t>
             </a:r>
           </a:p>
           <a:p>
             <a:pPr lvl="3"/>
             <a:r>
-              <a:rPr lang="fr-FR" smtClean="0"/>
+              <a:rPr lang="fr-FR"/>
               <a:t>Quatrième niveau</a:t>
             </a:r>
           </a:p>
           <a:p>
             <a:pPr lvl="4"/>
             <a:r>
-              <a:rPr lang="fr-FR" smtClean="0"/>
+              <a:rPr lang="fr-FR"/>
               <a:t>Cinquième niveau</a:t>
             </a:r>
             <a:endParaRPr lang="fr-BE"/>
@@ -454,7 +471,7 @@
           <a:p>
             <a:fld id="{AA309A6D-C09C-4548-B29A-6CF363A7E532}" type="datetimeFigureOut">
               <a:rPr lang="fr-FR" smtClean="0"/>
-              <a:t>18/04/2018</a:t>
+              <a:t>14/12/2018</a:t>
             </a:fld>
             <a:endParaRPr lang="fr-BE"/>
           </a:p>
@@ -548,7 +565,7 @@
           <a:lstStyle/>
           <a:p>
             <a:r>
-              <a:rPr lang="fr-FR" smtClean="0"/>
+              <a:rPr lang="fr-FR"/>
               <a:t>Cliquez pour modifier le style du titre</a:t>
             </a:r>
             <a:endParaRPr lang="fr-BE"/>
@@ -577,35 +594,35 @@
           <a:p>
             <a:pPr lvl="0"/>
             <a:r>
-              <a:rPr lang="fr-FR" smtClean="0"/>
+              <a:rPr lang="fr-FR"/>
               <a:t>Cliquez pour modifier les styles du texte du masque</a:t>
             </a:r>
           </a:p>
           <a:p>
             <a:pPr lvl="1"/>
             <a:r>
-              <a:rPr lang="fr-FR" smtClean="0"/>
+              <a:rPr lang="fr-FR"/>
               <a:t>Deuxième niveau</a:t>
             </a:r>
           </a:p>
           <a:p>
             <a:pPr lvl="2"/>
             <a:r>
-              <a:rPr lang="fr-FR" smtClean="0"/>
+              <a:rPr lang="fr-FR"/>
               <a:t>Troisième niveau</a:t>
             </a:r>
           </a:p>
           <a:p>
             <a:pPr lvl="3"/>
             <a:r>
-              <a:rPr lang="fr-FR" smtClean="0"/>
+              <a:rPr lang="fr-FR"/>
               <a:t>Quatrième niveau</a:t>
             </a:r>
           </a:p>
           <a:p>
             <a:pPr lvl="4"/>
             <a:r>
-              <a:rPr lang="fr-FR" smtClean="0"/>
+              <a:rPr lang="fr-FR"/>
               <a:t>Cinquième niveau</a:t>
             </a:r>
             <a:endParaRPr lang="fr-BE"/>
@@ -629,7 +646,7 @@
           <a:p>
             <a:fld id="{AA309A6D-C09C-4548-B29A-6CF363A7E532}" type="datetimeFigureOut">
               <a:rPr lang="fr-FR" smtClean="0"/>
-              <a:t>18/04/2018</a:t>
+              <a:t>14/12/2018</a:t>
             </a:fld>
             <a:endParaRPr lang="fr-BE"/>
           </a:p>
@@ -718,7 +735,7 @@
           <a:lstStyle/>
           <a:p>
             <a:r>
-              <a:rPr lang="fr-FR" smtClean="0"/>
+              <a:rPr lang="fr-FR"/>
               <a:t>Cliquez pour modifier le style du titre</a:t>
             </a:r>
             <a:endParaRPr lang="fr-BE"/>
@@ -742,35 +759,35 @@
           <a:p>
             <a:pPr lvl="0"/>
             <a:r>
-              <a:rPr lang="fr-FR" smtClean="0"/>
+              <a:rPr lang="fr-FR"/>
               <a:t>Cliquez pour modifier les styles du texte du masque</a:t>
             </a:r>
           </a:p>
           <a:p>
             <a:pPr lvl="1"/>
             <a:r>
-              <a:rPr lang="fr-FR" smtClean="0"/>
+              <a:rPr lang="fr-FR"/>
               <a:t>Deuxième niveau</a:t>
             </a:r>
           </a:p>
           <a:p>
             <a:pPr lvl="2"/>
             <a:r>
-              <a:rPr lang="fr-FR" smtClean="0"/>
+              <a:rPr lang="fr-FR"/>
               <a:t>Troisième niveau</a:t>
             </a:r>
           </a:p>
           <a:p>
             <a:pPr lvl="3"/>
             <a:r>
-              <a:rPr lang="fr-FR" smtClean="0"/>
+              <a:rPr lang="fr-FR"/>
               <a:t>Quatrième niveau</a:t>
             </a:r>
           </a:p>
           <a:p>
             <a:pPr lvl="4"/>
             <a:r>
-              <a:rPr lang="fr-FR" smtClean="0"/>
+              <a:rPr lang="fr-FR"/>
               <a:t>Cinquième niveau</a:t>
             </a:r>
             <a:endParaRPr lang="fr-BE"/>
@@ -794,7 +811,7 @@
           <a:p>
             <a:fld id="{AA309A6D-C09C-4548-B29A-6CF363A7E532}" type="datetimeFigureOut">
               <a:rPr lang="fr-FR" smtClean="0"/>
-              <a:t>18/04/2018</a:t>
+              <a:t>14/12/2018</a:t>
             </a:fld>
             <a:endParaRPr lang="fr-BE"/>
           </a:p>
@@ -892,7 +909,7 @@
           </a:lstStyle>
           <a:p>
             <a:r>
-              <a:rPr lang="fr-FR" smtClean="0"/>
+              <a:rPr lang="fr-FR"/>
               <a:t>Cliquez pour modifier le style du titre</a:t>
             </a:r>
             <a:endParaRPr lang="fr-BE"/>
@@ -1012,7 +1029,7 @@
           <a:p>
             <a:pPr lvl="0"/>
             <a:r>
-              <a:rPr lang="fr-FR" smtClean="0"/>
+              <a:rPr lang="fr-FR"/>
               <a:t>Cliquez pour modifier les styles du texte du masque</a:t>
             </a:r>
           </a:p>
@@ -1035,7 +1052,7 @@
           <a:p>
             <a:fld id="{AA309A6D-C09C-4548-B29A-6CF363A7E532}" type="datetimeFigureOut">
               <a:rPr lang="fr-FR" smtClean="0"/>
-              <a:t>18/04/2018</a:t>
+              <a:t>14/12/2018</a:t>
             </a:fld>
             <a:endParaRPr lang="fr-BE"/>
           </a:p>
@@ -1124,7 +1141,7 @@
           <a:lstStyle/>
           <a:p>
             <a:r>
-              <a:rPr lang="fr-FR" smtClean="0"/>
+              <a:rPr lang="fr-FR"/>
               <a:t>Cliquez pour modifier le style du titre</a:t>
             </a:r>
             <a:endParaRPr lang="fr-BE"/>
@@ -1181,35 +1198,35 @@
           <a:p>
             <a:pPr lvl="0"/>
             <a:r>
-              <a:rPr lang="fr-FR" smtClean="0"/>
+              <a:rPr lang="fr-FR"/>
               <a:t>Cliquez pour modifier les styles du texte du masque</a:t>
             </a:r>
           </a:p>
           <a:p>
             <a:pPr lvl="1"/>
             <a:r>
-              <a:rPr lang="fr-FR" smtClean="0"/>
+              <a:rPr lang="fr-FR"/>
               <a:t>Deuxième niveau</a:t>
             </a:r>
           </a:p>
           <a:p>
             <a:pPr lvl="2"/>
             <a:r>
-              <a:rPr lang="fr-FR" smtClean="0"/>
+              <a:rPr lang="fr-FR"/>
               <a:t>Troisième niveau</a:t>
             </a:r>
           </a:p>
           <a:p>
             <a:pPr lvl="3"/>
             <a:r>
-              <a:rPr lang="fr-FR" smtClean="0"/>
+              <a:rPr lang="fr-FR"/>
               <a:t>Quatrième niveau</a:t>
             </a:r>
           </a:p>
           <a:p>
             <a:pPr lvl="4"/>
             <a:r>
-              <a:rPr lang="fr-FR" smtClean="0"/>
+              <a:rPr lang="fr-FR"/>
               <a:t>Cinquième niveau</a:t>
             </a:r>
             <a:endParaRPr lang="fr-BE"/>
@@ -1266,35 +1283,35 @@
           <a:p>
             <a:pPr lvl="0"/>
             <a:r>
-              <a:rPr lang="fr-FR" smtClean="0"/>
+              <a:rPr lang="fr-FR"/>
               <a:t>Cliquez pour modifier les styles du texte du masque</a:t>
             </a:r>
           </a:p>
           <a:p>
             <a:pPr lvl="1"/>
             <a:r>
-              <a:rPr lang="fr-FR" smtClean="0"/>
+              <a:rPr lang="fr-FR"/>
               <a:t>Deuxième niveau</a:t>
             </a:r>
           </a:p>
           <a:p>
             <a:pPr lvl="2"/>
             <a:r>
-              <a:rPr lang="fr-FR" smtClean="0"/>
+              <a:rPr lang="fr-FR"/>
               <a:t>Troisième niveau</a:t>
             </a:r>
           </a:p>
           <a:p>
             <a:pPr lvl="3"/>
             <a:r>
-              <a:rPr lang="fr-FR" smtClean="0"/>
+              <a:rPr lang="fr-FR"/>
               <a:t>Quatrième niveau</a:t>
             </a:r>
           </a:p>
           <a:p>
             <a:pPr lvl="4"/>
             <a:r>
-              <a:rPr lang="fr-FR" smtClean="0"/>
+              <a:rPr lang="fr-FR"/>
               <a:t>Cinquième niveau</a:t>
             </a:r>
             <a:endParaRPr lang="fr-BE"/>
@@ -1318,7 +1335,7 @@
           <a:p>
             <a:fld id="{AA309A6D-C09C-4548-B29A-6CF363A7E532}" type="datetimeFigureOut">
               <a:rPr lang="fr-FR" smtClean="0"/>
-              <a:t>18/04/2018</a:t>
+              <a:t>14/12/2018</a:t>
             </a:fld>
             <a:endParaRPr lang="fr-BE"/>
           </a:p>
@@ -1411,7 +1428,7 @@
           </a:lstStyle>
           <a:p>
             <a:r>
-              <a:rPr lang="fr-FR" smtClean="0"/>
+              <a:rPr lang="fr-FR"/>
               <a:t>Cliquez pour modifier le style du titre</a:t>
             </a:r>
             <a:endParaRPr lang="fr-BE"/>
@@ -1477,7 +1494,7 @@
           <a:p>
             <a:pPr lvl="0"/>
             <a:r>
-              <a:rPr lang="fr-FR" smtClean="0"/>
+              <a:rPr lang="fr-FR"/>
               <a:t>Cliquez pour modifier les styles du texte du masque</a:t>
             </a:r>
           </a:p>
@@ -1533,35 +1550,35 @@
           <a:p>
             <a:pPr lvl="0"/>
             <a:r>
-              <a:rPr lang="fr-FR" smtClean="0"/>
+              <a:rPr lang="fr-FR"/>
               <a:t>Cliquez pour modifier les styles du texte du masque</a:t>
             </a:r>
           </a:p>
           <a:p>
             <a:pPr lvl="1"/>
             <a:r>
-              <a:rPr lang="fr-FR" smtClean="0"/>
+              <a:rPr lang="fr-FR"/>
               <a:t>Deuxième niveau</a:t>
             </a:r>
           </a:p>
           <a:p>
             <a:pPr lvl="2"/>
             <a:r>
-              <a:rPr lang="fr-FR" smtClean="0"/>
+              <a:rPr lang="fr-FR"/>
               <a:t>Troisième niveau</a:t>
             </a:r>
           </a:p>
           <a:p>
             <a:pPr lvl="3"/>
             <a:r>
-              <a:rPr lang="fr-FR" smtClean="0"/>
+              <a:rPr lang="fr-FR"/>
               <a:t>Quatrième niveau</a:t>
             </a:r>
           </a:p>
           <a:p>
             <a:pPr lvl="4"/>
             <a:r>
-              <a:rPr lang="fr-FR" smtClean="0"/>
+              <a:rPr lang="fr-FR"/>
               <a:t>Cinquième niveau</a:t>
             </a:r>
             <a:endParaRPr lang="fr-BE"/>
@@ -1627,7 +1644,7 @@
           <a:p>
             <a:pPr lvl="0"/>
             <a:r>
-              <a:rPr lang="fr-FR" smtClean="0"/>
+              <a:rPr lang="fr-FR"/>
               <a:t>Cliquez pour modifier les styles du texte du masque</a:t>
             </a:r>
           </a:p>
@@ -1683,35 +1700,35 @@
           <a:p>
             <a:pPr lvl="0"/>
             <a:r>
-              <a:rPr lang="fr-FR" smtClean="0"/>
+              <a:rPr lang="fr-FR"/>
               <a:t>Cliquez pour modifier les styles du texte du masque</a:t>
             </a:r>
           </a:p>
           <a:p>
             <a:pPr lvl="1"/>
             <a:r>
-              <a:rPr lang="fr-FR" smtClean="0"/>
+              <a:rPr lang="fr-FR"/>
               <a:t>Deuxième niveau</a:t>
             </a:r>
           </a:p>
           <a:p>
             <a:pPr lvl="2"/>
             <a:r>
-              <a:rPr lang="fr-FR" smtClean="0"/>
+              <a:rPr lang="fr-FR"/>
               <a:t>Troisième niveau</a:t>
             </a:r>
           </a:p>
           <a:p>
             <a:pPr lvl="3"/>
             <a:r>
-              <a:rPr lang="fr-FR" smtClean="0"/>
+              <a:rPr lang="fr-FR"/>
               <a:t>Quatrième niveau</a:t>
             </a:r>
           </a:p>
           <a:p>
             <a:pPr lvl="4"/>
             <a:r>
-              <a:rPr lang="fr-FR" smtClean="0"/>
+              <a:rPr lang="fr-FR"/>
               <a:t>Cinquième niveau</a:t>
             </a:r>
             <a:endParaRPr lang="fr-BE"/>
@@ -1735,7 +1752,7 @@
           <a:p>
             <a:fld id="{AA309A6D-C09C-4548-B29A-6CF363A7E532}" type="datetimeFigureOut">
               <a:rPr lang="fr-FR" smtClean="0"/>
-              <a:t>18/04/2018</a:t>
+              <a:t>14/12/2018</a:t>
             </a:fld>
             <a:endParaRPr lang="fr-BE"/>
           </a:p>
@@ -1824,7 +1841,7 @@
           <a:lstStyle/>
           <a:p>
             <a:r>
-              <a:rPr lang="fr-FR" smtClean="0"/>
+              <a:rPr lang="fr-FR"/>
               <a:t>Cliquez pour modifier le style du titre</a:t>
             </a:r>
             <a:endParaRPr lang="fr-BE"/>
@@ -1848,7 +1865,7 @@
           <a:p>
             <a:fld id="{AA309A6D-C09C-4548-B29A-6CF363A7E532}" type="datetimeFigureOut">
               <a:rPr lang="fr-FR" smtClean="0"/>
-              <a:t>18/04/2018</a:t>
+              <a:t>14/12/2018</a:t>
             </a:fld>
             <a:endParaRPr lang="fr-BE"/>
           </a:p>
@@ -1938,7 +1955,7 @@
           <a:p>
             <a:fld id="{AA309A6D-C09C-4548-B29A-6CF363A7E532}" type="datetimeFigureOut">
               <a:rPr lang="fr-FR" smtClean="0"/>
-              <a:t>18/04/2018</a:t>
+              <a:t>14/12/2018</a:t>
             </a:fld>
             <a:endParaRPr lang="fr-BE"/>
           </a:p>
@@ -2036,7 +2053,7 @@
           </a:lstStyle>
           <a:p>
             <a:r>
-              <a:rPr lang="fr-FR" smtClean="0"/>
+              <a:rPr lang="fr-FR"/>
               <a:t>Cliquez pour modifier le style du titre</a:t>
             </a:r>
             <a:endParaRPr lang="fr-BE"/>
@@ -2093,35 +2110,35 @@
           <a:p>
             <a:pPr lvl="0"/>
             <a:r>
-              <a:rPr lang="fr-FR" smtClean="0"/>
+              <a:rPr lang="fr-FR"/>
               <a:t>Cliquez pour modifier les styles du texte du masque</a:t>
             </a:r>
           </a:p>
           <a:p>
             <a:pPr lvl="1"/>
             <a:r>
-              <a:rPr lang="fr-FR" smtClean="0"/>
+              <a:rPr lang="fr-FR"/>
               <a:t>Deuxième niveau</a:t>
             </a:r>
           </a:p>
           <a:p>
             <a:pPr lvl="2"/>
             <a:r>
-              <a:rPr lang="fr-FR" smtClean="0"/>
+              <a:rPr lang="fr-FR"/>
               <a:t>Troisième niveau</a:t>
             </a:r>
           </a:p>
           <a:p>
             <a:pPr lvl="3"/>
             <a:r>
-              <a:rPr lang="fr-FR" smtClean="0"/>
+              <a:rPr lang="fr-FR"/>
               <a:t>Quatrième niveau</a:t>
             </a:r>
           </a:p>
           <a:p>
             <a:pPr lvl="4"/>
             <a:r>
-              <a:rPr lang="fr-FR" smtClean="0"/>
+              <a:rPr lang="fr-FR"/>
               <a:t>Cinquième niveau</a:t>
             </a:r>
             <a:endParaRPr lang="fr-BE"/>
@@ -2187,7 +2204,7 @@
           <a:p>
             <a:pPr lvl="0"/>
             <a:r>
-              <a:rPr lang="fr-FR" smtClean="0"/>
+              <a:rPr lang="fr-FR"/>
               <a:t>Cliquez pour modifier les styles du texte du masque</a:t>
             </a:r>
           </a:p>
@@ -2210,7 +2227,7 @@
           <a:p>
             <a:fld id="{AA309A6D-C09C-4548-B29A-6CF363A7E532}" type="datetimeFigureOut">
               <a:rPr lang="fr-FR" smtClean="0"/>
-              <a:t>18/04/2018</a:t>
+              <a:t>14/12/2018</a:t>
             </a:fld>
             <a:endParaRPr lang="fr-BE"/>
           </a:p>
@@ -2308,7 +2325,7 @@
           </a:lstStyle>
           <a:p>
             <a:r>
-              <a:rPr lang="fr-FR" smtClean="0"/>
+              <a:rPr lang="fr-FR"/>
               <a:t>Cliquez pour modifier le style du titre</a:t>
             </a:r>
             <a:endParaRPr lang="fr-BE"/>
@@ -2435,7 +2452,7 @@
           <a:p>
             <a:pPr lvl="0"/>
             <a:r>
-              <a:rPr lang="fr-FR" smtClean="0"/>
+              <a:rPr lang="fr-FR"/>
               <a:t>Cliquez pour modifier les styles du texte du masque</a:t>
             </a:r>
           </a:p>
@@ -2458,7 +2475,7 @@
           <a:p>
             <a:fld id="{AA309A6D-C09C-4548-B29A-6CF363A7E532}" type="datetimeFigureOut">
               <a:rPr lang="fr-FR" smtClean="0"/>
-              <a:t>18/04/2018</a:t>
+              <a:t>14/12/2018</a:t>
             </a:fld>
             <a:endParaRPr lang="fr-BE"/>
           </a:p>
@@ -2562,7 +2579,7 @@
           <a:lstStyle/>
           <a:p>
             <a:r>
-              <a:rPr lang="fr-FR" smtClean="0"/>
+              <a:rPr lang="fr-FR"/>
               <a:t>Cliquez pour modifier le style du titre</a:t>
             </a:r>
             <a:endParaRPr lang="fr-BE"/>
@@ -2596,35 +2613,35 @@
           <a:p>
             <a:pPr lvl="0"/>
             <a:r>
-              <a:rPr lang="fr-FR" smtClean="0"/>
+              <a:rPr lang="fr-FR"/>
               <a:t>Cliquez pour modifier les styles du texte du masque</a:t>
             </a:r>
           </a:p>
           <a:p>
             <a:pPr lvl="1"/>
             <a:r>
-              <a:rPr lang="fr-FR" smtClean="0"/>
+              <a:rPr lang="fr-FR"/>
               <a:t>Deuxième niveau</a:t>
             </a:r>
           </a:p>
           <a:p>
             <a:pPr lvl="2"/>
             <a:r>
-              <a:rPr lang="fr-FR" smtClean="0"/>
+              <a:rPr lang="fr-FR"/>
               <a:t>Troisième niveau</a:t>
             </a:r>
           </a:p>
           <a:p>
             <a:pPr lvl="3"/>
             <a:r>
-              <a:rPr lang="fr-FR" smtClean="0"/>
+              <a:rPr lang="fr-FR"/>
               <a:t>Quatrième niveau</a:t>
             </a:r>
           </a:p>
           <a:p>
             <a:pPr lvl="4"/>
             <a:r>
-              <a:rPr lang="fr-FR" smtClean="0"/>
+              <a:rPr lang="fr-FR"/>
               <a:t>Cinquième niveau</a:t>
             </a:r>
             <a:endParaRPr lang="fr-BE"/>
@@ -2666,7 +2683,7 @@
           <a:p>
             <a:fld id="{AA309A6D-C09C-4548-B29A-6CF363A7E532}" type="datetimeFigureOut">
               <a:rPr lang="fr-FR" smtClean="0"/>
-              <a:t>18/04/2018</a:t>
+              <a:t>14/12/2018</a:t>
             </a:fld>
             <a:endParaRPr lang="fr-BE"/>
           </a:p>
@@ -3186,18 +3203,13 @@
           <a:p>
             <a:pPr algn="ctr"/>
             <a:r>
-              <a:rPr lang="fr-FR" b="1" dirty="0" smtClean="0">
+              <a:rPr lang="fr-FR" b="1" dirty="0">
                 <a:solidFill>
                   <a:sysClr val="windowText" lastClr="000000"/>
                 </a:solidFill>
               </a:rPr>
               <a:t>N</a:t>
             </a:r>
-            <a:endParaRPr lang="fr-FR" b="1" dirty="0">
-              <a:solidFill>
-                <a:sysClr val="windowText" lastClr="000000"/>
-              </a:solidFill>
-            </a:endParaRPr>
           </a:p>
         </p:txBody>
       </p:sp>
@@ -3654,10 +3666,10 @@
               <a:lstStyle/>
               <a:p>
                 <a:r>
-                  <a:rPr lang="fr-FR" sz="1200" dirty="0" smtClean="0"/>
+                  <a:rPr lang="fr-FR" sz="1200" dirty="0"/>
                   <a:t>Pivot</a:t>
                 </a:r>
-                <a:endParaRPr lang="fr-FR" sz="1200" i="1" dirty="0" smtClean="0">
+                <a:endParaRPr lang="fr-FR" sz="1200" i="1" dirty="0">
                   <a:latin typeface="Cambria Math"/>
                 </a:endParaRPr>
               </a:p>
@@ -3668,7 +3680,7 @@
                       <m:dPr>
                         <m:ctrlPr>
                           <a:rPr lang="fr-FR" sz="1200" i="1" smtClean="0">
-                            <a:latin typeface="Cambria Math"/>
+                            <a:latin typeface="Cambria Math" panose="02040503050406030204" pitchFamily="18" charset="0"/>
                           </a:rPr>
                         </m:ctrlPr>
                       </m:dPr>
@@ -3689,7 +3701,7 @@
                           <m:sSubPr>
                             <m:ctrlPr>
                               <a:rPr lang="fr-FR" sz="1200" b="0" i="1" smtClean="0">
-                                <a:latin typeface="Cambria Math"/>
+                                <a:latin typeface="Cambria Math" panose="02040503050406030204" pitchFamily="18" charset="0"/>
                               </a:rPr>
                             </m:ctrlPr>
                           </m:sSubPr>
@@ -3699,7 +3711,7 @@
                                 <m:chr m:val="⃗"/>
                                 <m:ctrlPr>
                                   <a:rPr lang="fr-FR" sz="1200" b="0" i="1" smtClean="0">
-                                    <a:latin typeface="Cambria Math"/>
+                                    <a:latin typeface="Cambria Math" panose="02040503050406030204" pitchFamily="18" charset="0"/>
                                   </a:rPr>
                                 </m:ctrlPr>
                               </m:accPr>
@@ -3727,10 +3739,9 @@
                   </m:oMath>
                 </a14:m>
                 <a:r>
-                  <a:rPr lang="fr-FR" sz="1200" dirty="0" smtClean="0"/>
+                  <a:rPr lang="fr-FR" sz="1200" dirty="0"/>
                   <a:t> </a:t>
                 </a:r>
-                <a:endParaRPr lang="fr-FR" sz="1200" dirty="0"/>
               </a:p>
             </p:txBody>
           </p:sp>
@@ -3799,7 +3810,7 @@
               <a:lstStyle/>
               <a:p>
                 <a:r>
-                  <a:rPr lang="fr-FR" sz="1200" dirty="0" smtClean="0"/>
+                  <a:rPr lang="fr-FR" sz="1200" dirty="0"/>
                   <a:t>Pivot glissant</a:t>
                 </a:r>
               </a:p>
@@ -3815,7 +3826,7 @@
                         <m:dPr>
                           <m:ctrlPr>
                             <a:rPr lang="fr-FR" sz="1200" i="1" smtClean="0">
-                              <a:latin typeface="Cambria Math"/>
+                              <a:latin typeface="Cambria Math" panose="02040503050406030204" pitchFamily="18" charset="0"/>
                             </a:rPr>
                           </m:ctrlPr>
                         </m:dPr>
@@ -3824,7 +3835,7 @@
                             <m:sSubPr>
                               <m:ctrlPr>
                                 <a:rPr lang="fr-FR" sz="1200" b="0" i="1" smtClean="0">
-                                  <a:latin typeface="Cambria Math"/>
+                                  <a:latin typeface="Cambria Math" panose="02040503050406030204" pitchFamily="18" charset="0"/>
                                 </a:rPr>
                               </m:ctrlPr>
                             </m:sSubPr>
@@ -3855,7 +3866,7 @@
                             <m:sSubPr>
                               <m:ctrlPr>
                                 <a:rPr lang="fr-FR" sz="1200" b="0" i="1" smtClean="0">
-                                  <a:latin typeface="Cambria Math"/>
+                                  <a:latin typeface="Cambria Math" panose="02040503050406030204" pitchFamily="18" charset="0"/>
                                 </a:rPr>
                               </m:ctrlPr>
                             </m:sSubPr>
@@ -3865,7 +3876,7 @@
                                   <m:chr m:val="⃗"/>
                                   <m:ctrlPr>
                                     <a:rPr lang="fr-FR" sz="1200" b="0" i="1" smtClean="0">
-                                      <a:latin typeface="Cambria Math"/>
+                                      <a:latin typeface="Cambria Math" panose="02040503050406030204" pitchFamily="18" charset="0"/>
                                     </a:rPr>
                                   </m:ctrlPr>
                                 </m:accPr>
@@ -3962,7 +3973,7 @@
               <a:lstStyle/>
               <a:p>
                 <a:r>
-                  <a:rPr lang="fr-FR" sz="1200" dirty="0" smtClean="0"/>
+                  <a:rPr lang="fr-FR" sz="1200" dirty="0"/>
                   <a:t>Pivot glissant</a:t>
                 </a:r>
               </a:p>
@@ -3978,7 +3989,7 @@
                         <m:dPr>
                           <m:ctrlPr>
                             <a:rPr lang="fr-FR" sz="1200" i="1" smtClean="0">
-                              <a:latin typeface="Cambria Math"/>
+                              <a:latin typeface="Cambria Math" panose="02040503050406030204" pitchFamily="18" charset="0"/>
                             </a:rPr>
                           </m:ctrlPr>
                         </m:dPr>
@@ -3987,7 +3998,7 @@
                             <m:sSubPr>
                               <m:ctrlPr>
                                 <a:rPr lang="fr-FR" sz="1200" b="0" i="1" smtClean="0">
-                                  <a:latin typeface="Cambria Math"/>
+                                  <a:latin typeface="Cambria Math" panose="02040503050406030204" pitchFamily="18" charset="0"/>
                                 </a:rPr>
                               </m:ctrlPr>
                             </m:sSubPr>
@@ -4018,7 +4029,7 @@
                             <m:sSubPr>
                               <m:ctrlPr>
                                 <a:rPr lang="fr-FR" sz="1200" b="0" i="1" smtClean="0">
-                                  <a:latin typeface="Cambria Math"/>
+                                  <a:latin typeface="Cambria Math" panose="02040503050406030204" pitchFamily="18" charset="0"/>
                                 </a:rPr>
                               </m:ctrlPr>
                             </m:sSubPr>
@@ -4028,7 +4039,7 @@
                                   <m:chr m:val="⃗"/>
                                   <m:ctrlPr>
                                     <a:rPr lang="fr-FR" sz="1200" b="0" i="1" smtClean="0">
-                                      <a:latin typeface="Cambria Math"/>
+                                      <a:latin typeface="Cambria Math" panose="02040503050406030204" pitchFamily="18" charset="0"/>
                                     </a:rPr>
                                   </m:ctrlPr>
                                 </m:accPr>
@@ -4125,7 +4136,7 @@
               <a:lstStyle/>
               <a:p>
                 <a:r>
-                  <a:rPr lang="fr-FR" sz="1200" dirty="0" smtClean="0"/>
+                  <a:rPr lang="fr-FR" sz="1200" dirty="0"/>
                   <a:t>Sphérique </a:t>
                 </a:r>
                 <a14:m>
@@ -4207,7 +4218,7 @@
               <a:lstStyle/>
               <a:p>
                 <a:r>
-                  <a:rPr lang="fr-FR" sz="1200" dirty="0" smtClean="0"/>
+                  <a:rPr lang="fr-FR" sz="1200" dirty="0"/>
                   <a:t>Sphérique </a:t>
                 </a:r>
                 <a14:m>
@@ -4312,18 +4323,13 @@
           <a:p>
             <a:pPr algn="ctr"/>
             <a:r>
-              <a:rPr lang="fr-FR" b="1" dirty="0" smtClean="0">
+              <a:rPr lang="fr-FR" b="1" dirty="0">
                 <a:solidFill>
                   <a:schemeClr val="accent4"/>
                 </a:solidFill>
               </a:rPr>
               <a:t>4</a:t>
             </a:r>
-            <a:endParaRPr lang="fr-FR" b="1" dirty="0">
-              <a:solidFill>
-                <a:schemeClr val="accent4"/>
-              </a:solidFill>
-            </a:endParaRPr>
           </a:p>
         </p:txBody>
       </p:sp>
@@ -4430,18 +4436,13 @@
           <a:p>
             <a:pPr algn="ctr"/>
             <a:r>
-              <a:rPr lang="fr-FR" b="1" dirty="0" smtClean="0">
+              <a:rPr lang="fr-FR" b="1" dirty="0">
                 <a:solidFill>
                   <a:schemeClr val="tx2"/>
                 </a:solidFill>
               </a:rPr>
               <a:t>1</a:t>
             </a:r>
-            <a:endParaRPr lang="fr-FR" b="1" dirty="0">
-              <a:solidFill>
-                <a:schemeClr val="tx2"/>
-              </a:solidFill>
-            </a:endParaRPr>
           </a:p>
         </p:txBody>
       </p:sp>
@@ -4490,18 +4491,13 @@
           <a:p>
             <a:pPr algn="ctr"/>
             <a:r>
-              <a:rPr lang="fr-FR" b="1" dirty="0" smtClean="0">
+              <a:rPr lang="fr-FR" b="1" dirty="0">
                 <a:solidFill>
                   <a:srgbClr val="00B050"/>
                 </a:solidFill>
               </a:rPr>
               <a:t>3</a:t>
             </a:r>
-            <a:endParaRPr lang="fr-FR" b="1" dirty="0">
-              <a:solidFill>
-                <a:srgbClr val="00B050"/>
-              </a:solidFill>
-            </a:endParaRPr>
           </a:p>
         </p:txBody>
       </p:sp>
@@ -4554,7 +4550,7 @@
           <a:p>
             <a:pPr algn="ctr"/>
             <a:r>
-              <a:rPr lang="fr-FR" b="1" dirty="0" smtClean="0">
+              <a:rPr lang="fr-FR" b="1" dirty="0">
                 <a:solidFill>
                   <a:schemeClr val="bg2">
                     <a:lumMod val="25000"/>
@@ -4563,13 +4559,6 @@
               </a:rPr>
               <a:t>5</a:t>
             </a:r>
-            <a:endParaRPr lang="fr-FR" b="1" dirty="0">
-              <a:solidFill>
-                <a:schemeClr val="bg2">
-                  <a:lumMod val="25000"/>
-                </a:schemeClr>
-              </a:solidFill>
-            </a:endParaRPr>
           </a:p>
         </p:txBody>
       </p:sp>
@@ -4598,7 +4587,7 @@
               <a:lstStyle/>
               <a:p>
                 <a:r>
-                  <a:rPr lang="fr-FR" sz="1200" dirty="0" smtClean="0"/>
+                  <a:rPr lang="fr-FR" sz="1200" dirty="0"/>
                   <a:t>Sphérique </a:t>
                 </a:r>
                 <a14:m>
@@ -4607,7 +4596,7 @@
                       <m:sSubPr>
                         <m:ctrlPr>
                           <a:rPr lang="fr-FR" sz="1200" b="0" i="1" smtClean="0">
-                            <a:latin typeface="Cambria Math"/>
+                            <a:latin typeface="Cambria Math" panose="02040503050406030204" pitchFamily="18" charset="0"/>
                           </a:rPr>
                         </m:ctrlPr>
                       </m:sSubPr>
@@ -4699,7 +4688,7 @@
               <a:lstStyle/>
               <a:p>
                 <a:r>
-                  <a:rPr lang="fr-FR" sz="1200" dirty="0" smtClean="0"/>
+                  <a:rPr lang="fr-FR" sz="1200" dirty="0"/>
                   <a:t>Sphérique </a:t>
                 </a:r>
                 <a14:m>
@@ -4708,7 +4697,7 @@
                       <m:sSubPr>
                         <m:ctrlPr>
                           <a:rPr lang="fr-FR" sz="1200" b="0" i="1" smtClean="0">
-                            <a:latin typeface="Cambria Math"/>
+                            <a:latin typeface="Cambria Math" panose="02040503050406030204" pitchFamily="18" charset="0"/>
                           </a:rPr>
                         </m:ctrlPr>
                       </m:sSubPr>
@@ -4846,10 +4835,9 @@
           <a:lstStyle/>
           <a:p>
             <a:r>
-              <a:rPr lang="fr-FR" sz="1200" b="1" dirty="0" smtClean="0"/>
+              <a:rPr lang="fr-FR" sz="1200" b="1" dirty="0"/>
               <a:t>Ph</a:t>
             </a:r>
-            <a:endParaRPr lang="fr-FR" sz="1200" b="1" dirty="0"/>
           </a:p>
         </p:txBody>
       </p:sp>
@@ -4876,10 +4864,9 @@
           <a:lstStyle/>
           <a:p>
             <a:r>
-              <a:rPr lang="fr-FR" sz="1200" b="1" dirty="0" smtClean="0"/>
+              <a:rPr lang="fr-FR" sz="1200" b="1" dirty="0"/>
               <a:t>Ph</a:t>
             </a:r>
-            <a:endParaRPr lang="fr-FR" sz="1200" b="1" dirty="0"/>
           </a:p>
         </p:txBody>
       </p:sp>
@@ -4906,14 +4893,13 @@
           <a:lstStyle/>
           <a:p>
             <a:r>
-              <a:rPr lang="fr-FR" sz="1200" b="1" dirty="0" smtClean="0"/>
+              <a:rPr lang="fr-FR" sz="1200" b="1" dirty="0"/>
               <a:t>Ph : </a:t>
             </a:r>
             <a:r>
-              <a:rPr lang="fr-FR" sz="1200" dirty="0" smtClean="0"/>
+              <a:rPr lang="fr-FR" sz="1200" dirty="0"/>
               <a:t>pression hydraulique</a:t>
             </a:r>
-            <a:endParaRPr lang="fr-FR" sz="1200" dirty="0"/>
           </a:p>
         </p:txBody>
       </p:sp>
@@ -4988,10 +4974,9 @@
           <a:lstStyle/>
           <a:p>
             <a:r>
-              <a:rPr lang="fr-FR" sz="1200" b="1" dirty="0" smtClean="0"/>
+              <a:rPr lang="fr-FR" sz="1200" b="1" dirty="0"/>
               <a:t>Pesanteur</a:t>
             </a:r>
-            <a:endParaRPr lang="fr-FR" sz="1200" b="1" dirty="0"/>
           </a:p>
         </p:txBody>
       </p:sp>
@@ -5009,6 +4994,2193 @@
 </file>
 
 <file path=ppt/slides/slide2.xml><?xml version="1.0" encoding="utf-8"?>
+<p:sld xmlns:a="http://schemas.openxmlformats.org/drawingml/2006/main" xmlns:r="http://schemas.openxmlformats.org/officeDocument/2006/relationships" xmlns:p="http://schemas.openxmlformats.org/presentationml/2006/main">
+  <p:cSld>
+    <p:spTree>
+      <p:nvGrpSpPr>
+        <p:cNvPr id="1" name=""/>
+        <p:cNvGrpSpPr/>
+        <p:nvPr/>
+      </p:nvGrpSpPr>
+      <p:grpSpPr>
+        <a:xfrm>
+          <a:off x="0" y="0"/>
+          <a:ext cx="0" cy="0"/>
+          <a:chOff x="0" y="0"/>
+          <a:chExt cx="0" cy="0"/>
+        </a:xfrm>
+      </p:grpSpPr>
+      <p:sp>
+        <p:nvSpPr>
+          <p:cNvPr id="56" name="Arc 55"/>
+          <p:cNvSpPr/>
+          <p:nvPr/>
+        </p:nvSpPr>
+        <p:spPr>
+          <a:xfrm flipH="1">
+            <a:off x="2087864" y="1974870"/>
+            <a:ext cx="511561" cy="842026"/>
+          </a:xfrm>
+          <a:prstGeom prst="arc">
+            <a:avLst>
+              <a:gd name="adj1" fmla="val 17428693"/>
+              <a:gd name="adj2" fmla="val 4205247"/>
+            </a:avLst>
+          </a:prstGeom>
+          <a:ln w="38100">
+            <a:solidFill>
+              <a:srgbClr val="FF0000"/>
+            </a:solidFill>
+            <a:prstDash val="sysDot"/>
+            <a:headEnd type="stealth" w="med" len="lg"/>
+            <a:tailEnd type="stealth" w="med" len="lg"/>
+          </a:ln>
+        </p:spPr>
+        <p:style>
+          <a:lnRef idx="1">
+            <a:schemeClr val="accent1"/>
+          </a:lnRef>
+          <a:fillRef idx="0">
+            <a:schemeClr val="accent1"/>
+          </a:fillRef>
+          <a:effectRef idx="0">
+            <a:schemeClr val="accent1"/>
+          </a:effectRef>
+          <a:fontRef idx="minor">
+            <a:schemeClr val="tx1"/>
+          </a:fontRef>
+        </p:style>
+        <p:txBody>
+          <a:bodyPr rtlCol="0" anchor="ctr"/>
+          <a:lstStyle/>
+          <a:p>
+            <a:pPr algn="ctr"/>
+            <a:endParaRPr lang="fr-FR"/>
+          </a:p>
+        </p:txBody>
+      </p:sp>
+      <p:pic>
+        <p:nvPicPr>
+          <p:cNvPr id="1026" name="Picture 2"/>
+          <p:cNvPicPr>
+            <a:picLocks noChangeAspect="1" noChangeArrowheads="1"/>
+          </p:cNvPicPr>
+          <p:nvPr/>
+        </p:nvPicPr>
+        <p:blipFill>
+          <a:blip r:embed="rId2">
+            <a:extLst>
+              <a:ext uri="{28A0092B-C50C-407E-A947-70E740481C1C}">
+                <a14:useLocalDpi xmlns:a14="http://schemas.microsoft.com/office/drawing/2010/main" val="0"/>
+              </a:ext>
+            </a:extLst>
+          </a:blip>
+          <a:srcRect/>
+          <a:stretch>
+            <a:fillRect/>
+          </a:stretch>
+        </p:blipFill>
+        <p:spPr bwMode="auto">
+          <a:xfrm>
+            <a:off x="3671956" y="630908"/>
+            <a:ext cx="4838700" cy="4371975"/>
+          </a:xfrm>
+          <a:prstGeom prst="rect">
+            <a:avLst/>
+          </a:prstGeom>
+          <a:noFill/>
+          <a:ln>
+            <a:noFill/>
+          </a:ln>
+          <a:extLst>
+            <a:ext uri="{909E8E84-426E-40DD-AFC4-6F175D3DCCD1}">
+              <a14:hiddenFill xmlns:a14="http://schemas.microsoft.com/office/drawing/2010/main">
+                <a:solidFill>
+                  <a:schemeClr val="accent1"/>
+                </a:solidFill>
+              </a14:hiddenFill>
+            </a:ext>
+            <a:ext uri="{91240B29-F687-4F45-9708-019B960494DF}">
+              <a14:hiddenLine xmlns:a14="http://schemas.microsoft.com/office/drawing/2010/main" w="9525">
+                <a:solidFill>
+                  <a:schemeClr val="tx1"/>
+                </a:solidFill>
+                <a:miter lim="800000"/>
+                <a:headEnd/>
+                <a:tailEnd/>
+              </a14:hiddenLine>
+            </a:ext>
+          </a:extLst>
+        </p:spPr>
+      </p:pic>
+      <p:sp>
+        <p:nvSpPr>
+          <p:cNvPr id="4" name="Ellipse 3"/>
+          <p:cNvSpPr/>
+          <p:nvPr/>
+        </p:nvSpPr>
+        <p:spPr>
+          <a:xfrm>
+            <a:off x="1115616" y="1772816"/>
+            <a:ext cx="432048" cy="432048"/>
+          </a:xfrm>
+          <a:prstGeom prst="ellipse">
+            <a:avLst/>
+          </a:prstGeom>
+          <a:solidFill>
+            <a:schemeClr val="bg1">
+              <a:lumMod val="85000"/>
+            </a:schemeClr>
+          </a:solidFill>
+          <a:ln w="28575">
+            <a:solidFill>
+              <a:schemeClr val="tx1"/>
+            </a:solidFill>
+          </a:ln>
+        </p:spPr>
+        <p:style>
+          <a:lnRef idx="2">
+            <a:schemeClr val="accent1">
+              <a:shade val="50000"/>
+            </a:schemeClr>
+          </a:lnRef>
+          <a:fillRef idx="1">
+            <a:schemeClr val="accent1"/>
+          </a:fillRef>
+          <a:effectRef idx="0">
+            <a:schemeClr val="accent1"/>
+          </a:effectRef>
+          <a:fontRef idx="minor">
+            <a:schemeClr val="lt1"/>
+          </a:fontRef>
+        </p:style>
+        <p:txBody>
+          <a:bodyPr lIns="0" tIns="0" rIns="0" bIns="0" rtlCol="0" anchor="ctr"/>
+          <a:lstStyle/>
+          <a:p>
+            <a:pPr algn="ctr"/>
+            <a:r>
+              <a:rPr lang="fr-FR" b="1" dirty="0">
+                <a:solidFill>
+                  <a:sysClr val="windowText" lastClr="000000"/>
+                </a:solidFill>
+              </a:rPr>
+              <a:t>N</a:t>
+            </a:r>
+          </a:p>
+        </p:txBody>
+      </p:sp>
+      <p:cxnSp>
+        <p:nvCxnSpPr>
+          <p:cNvPr id="7" name="Connecteur droit 6"/>
+          <p:cNvCxnSpPr>
+            <a:endCxn id="4" idx="0"/>
+          </p:cNvCxnSpPr>
+          <p:nvPr/>
+        </p:nvCxnSpPr>
+        <p:spPr>
+          <a:xfrm>
+            <a:off x="1331640" y="1551640"/>
+            <a:ext cx="0" cy="221176"/>
+          </a:xfrm>
+          <a:prstGeom prst="line">
+            <a:avLst/>
+          </a:prstGeom>
+          <a:noFill/>
+          <a:ln w="28575">
+            <a:solidFill>
+              <a:schemeClr val="tx1"/>
+            </a:solidFill>
+          </a:ln>
+        </p:spPr>
+        <p:style>
+          <a:lnRef idx="2">
+            <a:schemeClr val="accent1">
+              <a:shade val="50000"/>
+            </a:schemeClr>
+          </a:lnRef>
+          <a:fillRef idx="1">
+            <a:schemeClr val="accent1"/>
+          </a:fillRef>
+          <a:effectRef idx="0">
+            <a:schemeClr val="accent1"/>
+          </a:effectRef>
+          <a:fontRef idx="minor">
+            <a:schemeClr val="lt1"/>
+          </a:fontRef>
+        </p:style>
+      </p:cxnSp>
+      <p:grpSp>
+        <p:nvGrpSpPr>
+          <p:cNvPr id="15" name="Groupe 14"/>
+          <p:cNvGrpSpPr/>
+          <p:nvPr/>
+        </p:nvGrpSpPr>
+        <p:grpSpPr>
+          <a:xfrm rot="10800000">
+            <a:off x="1115616" y="1335640"/>
+            <a:ext cx="432048" cy="216000"/>
+            <a:chOff x="1115616" y="2413488"/>
+            <a:chExt cx="432048" cy="216000"/>
+          </a:xfrm>
+        </p:grpSpPr>
+        <p:sp>
+          <p:nvSpPr>
+            <p:cNvPr id="12" name="Rectangle 11"/>
+            <p:cNvSpPr/>
+            <p:nvPr/>
+          </p:nvSpPr>
+          <p:spPr>
+            <a:xfrm>
+              <a:off x="1115616" y="2413488"/>
+              <a:ext cx="432048" cy="216000"/>
+            </a:xfrm>
+            <a:prstGeom prst="rect">
+              <a:avLst/>
+            </a:prstGeom>
+            <a:solidFill>
+              <a:schemeClr val="bg1">
+                <a:lumMod val="85000"/>
+              </a:schemeClr>
+            </a:solidFill>
+            <a:ln>
+              <a:noFill/>
+            </a:ln>
+          </p:spPr>
+          <p:style>
+            <a:lnRef idx="2">
+              <a:schemeClr val="accent1">
+                <a:shade val="50000"/>
+              </a:schemeClr>
+            </a:lnRef>
+            <a:fillRef idx="1">
+              <a:schemeClr val="accent1"/>
+            </a:fillRef>
+            <a:effectRef idx="0">
+              <a:schemeClr val="accent1"/>
+            </a:effectRef>
+            <a:fontRef idx="minor">
+              <a:schemeClr val="lt1"/>
+            </a:fontRef>
+          </p:style>
+          <p:txBody>
+            <a:bodyPr rtlCol="0" anchor="ctr"/>
+            <a:lstStyle/>
+            <a:p>
+              <a:pPr algn="ctr"/>
+              <a:endParaRPr lang="fr-FR"/>
+            </a:p>
+          </p:txBody>
+        </p:sp>
+        <p:cxnSp>
+          <p:nvCxnSpPr>
+            <p:cNvPr id="9" name="Connecteur droit 8"/>
+            <p:cNvCxnSpPr/>
+            <p:nvPr/>
+          </p:nvCxnSpPr>
+          <p:spPr>
+            <a:xfrm>
+              <a:off x="1115616" y="2413488"/>
+              <a:ext cx="432048" cy="0"/>
+            </a:xfrm>
+            <a:prstGeom prst="line">
+              <a:avLst/>
+            </a:prstGeom>
+            <a:noFill/>
+            <a:ln w="28575">
+              <a:solidFill>
+                <a:schemeClr val="tx1"/>
+              </a:solidFill>
+            </a:ln>
+          </p:spPr>
+          <p:style>
+            <a:lnRef idx="2">
+              <a:schemeClr val="accent1">
+                <a:shade val="50000"/>
+              </a:schemeClr>
+            </a:lnRef>
+            <a:fillRef idx="1">
+              <a:schemeClr val="accent1"/>
+            </a:fillRef>
+            <a:effectRef idx="0">
+              <a:schemeClr val="accent1"/>
+            </a:effectRef>
+            <a:fontRef idx="minor">
+              <a:schemeClr val="lt1"/>
+            </a:fontRef>
+          </p:style>
+        </p:cxnSp>
+      </p:grpSp>
+      <p:cxnSp>
+        <p:nvCxnSpPr>
+          <p:cNvPr id="23" name="Connecteur droit 22"/>
+          <p:cNvCxnSpPr>
+            <a:stCxn id="4" idx="2"/>
+            <a:endCxn id="17" idx="6"/>
+          </p:cNvCxnSpPr>
+          <p:nvPr/>
+        </p:nvCxnSpPr>
+        <p:spPr>
+          <a:xfrm flipH="1">
+            <a:off x="460039" y="1988840"/>
+            <a:ext cx="655577" cy="0"/>
+          </a:xfrm>
+          <a:prstGeom prst="line">
+            <a:avLst/>
+          </a:prstGeom>
+          <a:noFill/>
+          <a:ln w="28575">
+            <a:solidFill>
+              <a:schemeClr val="tx1"/>
+            </a:solidFill>
+          </a:ln>
+        </p:spPr>
+        <p:style>
+          <a:lnRef idx="2">
+            <a:schemeClr val="accent1">
+              <a:shade val="50000"/>
+            </a:schemeClr>
+          </a:lnRef>
+          <a:fillRef idx="1">
+            <a:schemeClr val="accent1"/>
+          </a:fillRef>
+          <a:effectRef idx="0">
+            <a:schemeClr val="accent1"/>
+          </a:effectRef>
+          <a:fontRef idx="minor">
+            <a:schemeClr val="lt1"/>
+          </a:fontRef>
+        </p:style>
+      </p:cxnSp>
+      <p:cxnSp>
+        <p:nvCxnSpPr>
+          <p:cNvPr id="26" name="Connecteur droit 25"/>
+          <p:cNvCxnSpPr>
+            <a:stCxn id="17" idx="4"/>
+            <a:endCxn id="18" idx="0"/>
+          </p:cNvCxnSpPr>
+          <p:nvPr/>
+        </p:nvCxnSpPr>
+        <p:spPr>
+          <a:xfrm>
+            <a:off x="244015" y="2204864"/>
+            <a:ext cx="0" cy="432048"/>
+          </a:xfrm>
+          <a:prstGeom prst="line">
+            <a:avLst/>
+          </a:prstGeom>
+          <a:noFill/>
+          <a:ln w="28575">
+            <a:solidFill>
+              <a:schemeClr val="tx1"/>
+            </a:solidFill>
+          </a:ln>
+        </p:spPr>
+        <p:style>
+          <a:lnRef idx="2">
+            <a:schemeClr val="accent1">
+              <a:shade val="50000"/>
+            </a:schemeClr>
+          </a:lnRef>
+          <a:fillRef idx="1">
+            <a:schemeClr val="accent1"/>
+          </a:fillRef>
+          <a:effectRef idx="0">
+            <a:schemeClr val="accent1"/>
+          </a:effectRef>
+          <a:fontRef idx="minor">
+            <a:schemeClr val="lt1"/>
+          </a:fontRef>
+        </p:style>
+      </p:cxnSp>
+      <p:cxnSp>
+        <p:nvCxnSpPr>
+          <p:cNvPr id="29" name="Connecteur droit 28"/>
+          <p:cNvCxnSpPr>
+            <a:stCxn id="19" idx="2"/>
+            <a:endCxn id="18" idx="6"/>
+          </p:cNvCxnSpPr>
+          <p:nvPr/>
+        </p:nvCxnSpPr>
+        <p:spPr>
+          <a:xfrm flipH="1">
+            <a:off x="460039" y="2852936"/>
+            <a:ext cx="655577" cy="0"/>
+          </a:xfrm>
+          <a:prstGeom prst="line">
+            <a:avLst/>
+          </a:prstGeom>
+          <a:noFill/>
+          <a:ln w="28575">
+            <a:solidFill>
+              <a:schemeClr val="tx1"/>
+            </a:solidFill>
+          </a:ln>
+        </p:spPr>
+        <p:style>
+          <a:lnRef idx="2">
+            <a:schemeClr val="accent1">
+              <a:shade val="50000"/>
+            </a:schemeClr>
+          </a:lnRef>
+          <a:fillRef idx="1">
+            <a:schemeClr val="accent1"/>
+          </a:fillRef>
+          <a:effectRef idx="0">
+            <a:schemeClr val="accent1"/>
+          </a:effectRef>
+          <a:fontRef idx="minor">
+            <a:schemeClr val="lt1"/>
+          </a:fontRef>
+        </p:style>
+      </p:cxnSp>
+      <p:cxnSp>
+        <p:nvCxnSpPr>
+          <p:cNvPr id="32" name="Connecteur droit 31"/>
+          <p:cNvCxnSpPr>
+            <a:stCxn id="4" idx="4"/>
+            <a:endCxn id="19" idx="0"/>
+          </p:cNvCxnSpPr>
+          <p:nvPr/>
+        </p:nvCxnSpPr>
+        <p:spPr>
+          <a:xfrm>
+            <a:off x="1331640" y="2204864"/>
+            <a:ext cx="0" cy="432048"/>
+          </a:xfrm>
+          <a:prstGeom prst="line">
+            <a:avLst/>
+          </a:prstGeom>
+          <a:noFill/>
+          <a:ln w="28575">
+            <a:solidFill>
+              <a:schemeClr val="tx1"/>
+            </a:solidFill>
+          </a:ln>
+        </p:spPr>
+        <p:style>
+          <a:lnRef idx="2">
+            <a:schemeClr val="accent1">
+              <a:shade val="50000"/>
+            </a:schemeClr>
+          </a:lnRef>
+          <a:fillRef idx="1">
+            <a:schemeClr val="accent1"/>
+          </a:fillRef>
+          <a:effectRef idx="0">
+            <a:schemeClr val="accent1"/>
+          </a:effectRef>
+          <a:fontRef idx="minor">
+            <a:schemeClr val="lt1"/>
+          </a:fontRef>
+        </p:style>
+      </p:cxnSp>
+      <p:cxnSp>
+        <p:nvCxnSpPr>
+          <p:cNvPr id="35" name="Connecteur droit 34"/>
+          <p:cNvCxnSpPr>
+            <a:stCxn id="21" idx="2"/>
+            <a:endCxn id="4" idx="6"/>
+          </p:cNvCxnSpPr>
+          <p:nvPr/>
+        </p:nvCxnSpPr>
+        <p:spPr>
+          <a:xfrm flipH="1">
+            <a:off x="1547664" y="1988840"/>
+            <a:ext cx="619713" cy="0"/>
+          </a:xfrm>
+          <a:prstGeom prst="line">
+            <a:avLst/>
+          </a:prstGeom>
+          <a:noFill/>
+          <a:ln w="28575">
+            <a:solidFill>
+              <a:schemeClr val="tx1"/>
+            </a:solidFill>
+          </a:ln>
+        </p:spPr>
+        <p:style>
+          <a:lnRef idx="2">
+            <a:schemeClr val="accent1">
+              <a:shade val="50000"/>
+            </a:schemeClr>
+          </a:lnRef>
+          <a:fillRef idx="1">
+            <a:schemeClr val="accent1"/>
+          </a:fillRef>
+          <a:effectRef idx="0">
+            <a:schemeClr val="accent1"/>
+          </a:effectRef>
+          <a:fontRef idx="minor">
+            <a:schemeClr val="lt1"/>
+          </a:fontRef>
+        </p:style>
+      </p:cxnSp>
+      <p:cxnSp>
+        <p:nvCxnSpPr>
+          <p:cNvPr id="39" name="Connecteur droit 38"/>
+          <p:cNvCxnSpPr>
+            <a:stCxn id="21" idx="4"/>
+            <a:endCxn id="20" idx="0"/>
+          </p:cNvCxnSpPr>
+          <p:nvPr/>
+        </p:nvCxnSpPr>
+        <p:spPr>
+          <a:xfrm>
+            <a:off x="2383401" y="2204864"/>
+            <a:ext cx="0" cy="432048"/>
+          </a:xfrm>
+          <a:prstGeom prst="line">
+            <a:avLst/>
+          </a:prstGeom>
+          <a:noFill/>
+          <a:ln w="28575">
+            <a:solidFill>
+              <a:schemeClr val="tx1"/>
+            </a:solidFill>
+          </a:ln>
+        </p:spPr>
+        <p:style>
+          <a:lnRef idx="2">
+            <a:schemeClr val="accent1">
+              <a:shade val="50000"/>
+            </a:schemeClr>
+          </a:lnRef>
+          <a:fillRef idx="1">
+            <a:schemeClr val="accent1"/>
+          </a:fillRef>
+          <a:effectRef idx="0">
+            <a:schemeClr val="accent1"/>
+          </a:effectRef>
+          <a:fontRef idx="minor">
+            <a:schemeClr val="lt1"/>
+          </a:fontRef>
+        </p:style>
+      </p:cxnSp>
+      <p:cxnSp>
+        <p:nvCxnSpPr>
+          <p:cNvPr id="42" name="Connecteur droit 41"/>
+          <p:cNvCxnSpPr>
+            <a:stCxn id="20" idx="2"/>
+            <a:endCxn id="19" idx="6"/>
+          </p:cNvCxnSpPr>
+          <p:nvPr/>
+        </p:nvCxnSpPr>
+        <p:spPr>
+          <a:xfrm flipH="1">
+            <a:off x="1547664" y="2852936"/>
+            <a:ext cx="619713" cy="0"/>
+          </a:xfrm>
+          <a:prstGeom prst="line">
+            <a:avLst/>
+          </a:prstGeom>
+          <a:noFill/>
+          <a:ln w="28575">
+            <a:solidFill>
+              <a:schemeClr val="tx1"/>
+            </a:solidFill>
+          </a:ln>
+        </p:spPr>
+        <p:style>
+          <a:lnRef idx="2">
+            <a:schemeClr val="accent1">
+              <a:shade val="50000"/>
+            </a:schemeClr>
+          </a:lnRef>
+          <a:fillRef idx="1">
+            <a:schemeClr val="accent1"/>
+          </a:fillRef>
+          <a:effectRef idx="0">
+            <a:schemeClr val="accent1"/>
+          </a:effectRef>
+          <a:fontRef idx="minor">
+            <a:schemeClr val="lt1"/>
+          </a:fontRef>
+        </p:style>
+      </p:cxnSp>
+      <mc:AlternateContent xmlns:mc="http://schemas.openxmlformats.org/markup-compatibility/2006">
+        <mc:Choice xmlns:a14="http://schemas.microsoft.com/office/drawing/2010/main" Requires="a14">
+          <p:sp>
+            <p:nvSpPr>
+              <p:cNvPr id="44" name="ZoneTexte 43"/>
+              <p:cNvSpPr txBox="1"/>
+              <p:nvPr/>
+            </p:nvSpPr>
+            <p:spPr>
+              <a:xfrm>
+                <a:off x="1291606" y="2204864"/>
+                <a:ext cx="697883" cy="461665"/>
+              </a:xfrm>
+              <a:prstGeom prst="rect">
+                <a:avLst/>
+              </a:prstGeom>
+              <a:noFill/>
+            </p:spPr>
+            <p:txBody>
+              <a:bodyPr wrap="none" rtlCol="0">
+                <a:spAutoFit/>
+              </a:bodyPr>
+              <a:lstStyle/>
+              <a:p>
+                <a:pPr algn="ctr"/>
+                <a:r>
+                  <a:rPr lang="fr-FR" sz="1200" dirty="0"/>
+                  <a:t>Pivot</a:t>
+                </a:r>
+                <a:endParaRPr lang="fr-FR" sz="1200" i="1" dirty="0">
+                  <a:latin typeface="Cambria Math"/>
+                </a:endParaRPr>
+              </a:p>
+              <a:p>
+                <a:pPr algn="ctr"/>
+                <a14:m>
+                  <m:oMath xmlns:m="http://schemas.openxmlformats.org/officeDocument/2006/math">
+                    <m:d>
+                      <m:dPr>
+                        <m:ctrlPr>
+                          <a:rPr lang="fr-FR" sz="1200" i="1" smtClean="0">
+                            <a:latin typeface="Cambria Math" panose="02040503050406030204" pitchFamily="18" charset="0"/>
+                          </a:rPr>
+                        </m:ctrlPr>
+                      </m:dPr>
+                      <m:e>
+                        <m:r>
+                          <a:rPr lang="fr-FR" sz="1200" b="0" i="1" smtClean="0">
+                            <a:latin typeface="Cambria Math"/>
+                          </a:rPr>
+                          <m:t>𝑂</m:t>
+                        </m:r>
+                        <m:r>
+                          <a:rPr lang="fr-FR" sz="1200" b="0" i="1" smtClean="0">
+                            <a:latin typeface="Cambria Math"/>
+                          </a:rPr>
+                          <m:t>,</m:t>
+                        </m:r>
+                        <m:sSub>
+                          <m:sSubPr>
+                            <m:ctrlPr>
+                              <a:rPr lang="fr-FR" sz="1200" b="0" i="1" smtClean="0">
+                                <a:latin typeface="Cambria Math" panose="02040503050406030204" pitchFamily="18" charset="0"/>
+                              </a:rPr>
+                            </m:ctrlPr>
+                          </m:sSubPr>
+                          <m:e>
+                            <m:acc>
+                              <m:accPr>
+                                <m:chr m:val="⃗"/>
+                                <m:ctrlPr>
+                                  <a:rPr lang="fr-FR" sz="1200" b="0" i="1" smtClean="0">
+                                    <a:latin typeface="Cambria Math" panose="02040503050406030204" pitchFamily="18" charset="0"/>
+                                  </a:rPr>
+                                </m:ctrlPr>
+                              </m:accPr>
+                              <m:e>
+                                <m:r>
+                                  <a:rPr lang="fr-FR" sz="1200" b="0" i="1" smtClean="0">
+                                    <a:latin typeface="Cambria Math"/>
+                                  </a:rPr>
+                                  <m:t>𝑧</m:t>
+                                </m:r>
+                              </m:e>
+                            </m:acc>
+                          </m:e>
+                          <m:sub>
+                            <m:r>
+                              <a:rPr lang="fr-FR" sz="1200" b="0" i="1" smtClean="0">
+                                <a:latin typeface="Cambria Math"/>
+                              </a:rPr>
+                              <m:t>𝑁</m:t>
+                            </m:r>
+                          </m:sub>
+                        </m:sSub>
+                      </m:e>
+                    </m:d>
+                  </m:oMath>
+                </a14:m>
+                <a:r>
+                  <a:rPr lang="fr-FR" sz="1200" dirty="0"/>
+                  <a:t> </a:t>
+                </a:r>
+              </a:p>
+            </p:txBody>
+          </p:sp>
+        </mc:Choice>
+        <mc:Fallback>
+          <p:sp>
+            <p:nvSpPr>
+              <p:cNvPr id="44" name="ZoneTexte 43"/>
+              <p:cNvSpPr txBox="1">
+                <a:spLocks noRot="1" noChangeAspect="1" noMove="1" noResize="1" noEditPoints="1" noAdjustHandles="1" noChangeArrowheads="1" noChangeShapeType="1" noTextEdit="1"/>
+              </p:cNvSpPr>
+              <p:nvPr/>
+            </p:nvSpPr>
+            <p:spPr>
+              <a:xfrm>
+                <a:off x="1291606" y="2204864"/>
+                <a:ext cx="697883" cy="461665"/>
+              </a:xfrm>
+              <a:prstGeom prst="rect">
+                <a:avLst/>
+              </a:prstGeom>
+              <a:blipFill>
+                <a:blip r:embed="rId3"/>
+                <a:stretch>
+                  <a:fillRect/>
+                </a:stretch>
+              </a:blipFill>
+            </p:spPr>
+            <p:txBody>
+              <a:bodyPr/>
+              <a:lstStyle/>
+              <a:p>
+                <a:r>
+                  <a:rPr lang="fr-FR">
+                    <a:noFill/>
+                  </a:rPr>
+                  <a:t> </a:t>
+                </a:r>
+              </a:p>
+            </p:txBody>
+          </p:sp>
+        </mc:Fallback>
+      </mc:AlternateContent>
+      <mc:AlternateContent xmlns:mc="http://schemas.openxmlformats.org/markup-compatibility/2006">
+        <mc:Choice xmlns:a14="http://schemas.microsoft.com/office/drawing/2010/main" Requires="a14">
+          <p:sp>
+            <p:nvSpPr>
+              <p:cNvPr id="46" name="ZoneTexte 45"/>
+              <p:cNvSpPr txBox="1"/>
+              <p:nvPr/>
+            </p:nvSpPr>
+            <p:spPr>
+              <a:xfrm>
+                <a:off x="2383401" y="2190054"/>
+                <a:ext cx="1004186" cy="461665"/>
+              </a:xfrm>
+              <a:prstGeom prst="rect">
+                <a:avLst/>
+              </a:prstGeom>
+              <a:noFill/>
+            </p:spPr>
+            <p:txBody>
+              <a:bodyPr wrap="none" rtlCol="0">
+                <a:spAutoFit/>
+              </a:bodyPr>
+              <a:lstStyle/>
+              <a:p>
+                <a:r>
+                  <a:rPr lang="fr-FR" sz="1200" dirty="0"/>
+                  <a:t>Pivot glissant</a:t>
+                </a:r>
+              </a:p>
+              <a:p>
+                <a:pPr/>
+                <a14:m>
+                  <m:oMathPara xmlns:m="http://schemas.openxmlformats.org/officeDocument/2006/math">
+                    <m:oMathParaPr>
+                      <m:jc m:val="centerGroup"/>
+                    </m:oMathParaPr>
+                    <m:oMath xmlns:m="http://schemas.openxmlformats.org/officeDocument/2006/math">
+                      <m:d>
+                        <m:dPr>
+                          <m:ctrlPr>
+                            <a:rPr lang="fr-FR" sz="1200" i="1" smtClean="0">
+                              <a:latin typeface="Cambria Math" panose="02040503050406030204" pitchFamily="18" charset="0"/>
+                            </a:rPr>
+                          </m:ctrlPr>
+                        </m:dPr>
+                        <m:e>
+                          <m:r>
+                            <a:rPr lang="fr-FR" sz="1200" b="0" i="1" smtClean="0">
+                              <a:latin typeface="Cambria Math" panose="02040503050406030204" pitchFamily="18" charset="0"/>
+                            </a:rPr>
+                            <m:t>𝐵</m:t>
+                          </m:r>
+                          <m:r>
+                            <a:rPr lang="fr-FR" sz="1200" b="0" i="1" smtClean="0">
+                              <a:latin typeface="Cambria Math"/>
+                            </a:rPr>
+                            <m:t>,</m:t>
+                          </m:r>
+                          <m:sSub>
+                            <m:sSubPr>
+                              <m:ctrlPr>
+                                <a:rPr lang="fr-FR" sz="1200" b="0" i="1" smtClean="0">
+                                  <a:latin typeface="Cambria Math" panose="02040503050406030204" pitchFamily="18" charset="0"/>
+                                </a:rPr>
+                              </m:ctrlPr>
+                            </m:sSubPr>
+                            <m:e>
+                              <m:acc>
+                                <m:accPr>
+                                  <m:chr m:val="⃗"/>
+                                  <m:ctrlPr>
+                                    <a:rPr lang="fr-FR" sz="1200" b="0" i="1" smtClean="0">
+                                      <a:latin typeface="Cambria Math" panose="02040503050406030204" pitchFamily="18" charset="0"/>
+                                    </a:rPr>
+                                  </m:ctrlPr>
+                                </m:accPr>
+                                <m:e>
+                                  <m:r>
+                                    <a:rPr lang="fr-FR" sz="1200" b="0" i="1" smtClean="0">
+                                      <a:latin typeface="Cambria Math"/>
+                                    </a:rPr>
+                                    <m:t>𝑥</m:t>
+                                  </m:r>
+                                </m:e>
+                              </m:acc>
+                            </m:e>
+                            <m:sub>
+                              <m:r>
+                                <a:rPr lang="fr-FR" sz="1200" b="0" i="1" smtClean="0">
+                                  <a:latin typeface="Cambria Math"/>
+                                </a:rPr>
+                                <m:t>3</m:t>
+                              </m:r>
+                            </m:sub>
+                          </m:sSub>
+                        </m:e>
+                      </m:d>
+                    </m:oMath>
+                  </m:oMathPara>
+                </a14:m>
+                <a:endParaRPr lang="fr-FR" sz="1200" dirty="0"/>
+              </a:p>
+            </p:txBody>
+          </p:sp>
+        </mc:Choice>
+        <mc:Fallback>
+          <p:sp>
+            <p:nvSpPr>
+              <p:cNvPr id="46" name="ZoneTexte 45"/>
+              <p:cNvSpPr txBox="1">
+                <a:spLocks noRot="1" noChangeAspect="1" noMove="1" noResize="1" noEditPoints="1" noAdjustHandles="1" noChangeArrowheads="1" noChangeShapeType="1" noTextEdit="1"/>
+              </p:cNvSpPr>
+              <p:nvPr/>
+            </p:nvSpPr>
+            <p:spPr>
+              <a:xfrm>
+                <a:off x="2383401" y="2190054"/>
+                <a:ext cx="1004186" cy="461665"/>
+              </a:xfrm>
+              <a:prstGeom prst="rect">
+                <a:avLst/>
+              </a:prstGeom>
+              <a:blipFill>
+                <a:blip r:embed="rId4"/>
+                <a:stretch>
+                  <a:fillRect l="-606"/>
+                </a:stretch>
+              </a:blipFill>
+            </p:spPr>
+            <p:txBody>
+              <a:bodyPr/>
+              <a:lstStyle/>
+              <a:p>
+                <a:r>
+                  <a:rPr lang="fr-FR">
+                    <a:noFill/>
+                  </a:rPr>
+                  <a:t> </a:t>
+                </a:r>
+              </a:p>
+            </p:txBody>
+          </p:sp>
+        </mc:Fallback>
+      </mc:AlternateContent>
+      <mc:AlternateContent xmlns:mc="http://schemas.openxmlformats.org/markup-compatibility/2006">
+        <mc:Choice xmlns:a14="http://schemas.microsoft.com/office/drawing/2010/main" Requires="a14">
+          <p:sp>
+            <p:nvSpPr>
+              <p:cNvPr id="47" name="ZoneTexte 46"/>
+              <p:cNvSpPr txBox="1"/>
+              <p:nvPr/>
+            </p:nvSpPr>
+            <p:spPr>
+              <a:xfrm>
+                <a:off x="-760171" y="2190055"/>
+                <a:ext cx="1004186" cy="461665"/>
+              </a:xfrm>
+              <a:prstGeom prst="rect">
+                <a:avLst/>
+              </a:prstGeom>
+              <a:noFill/>
+            </p:spPr>
+            <p:txBody>
+              <a:bodyPr wrap="none" rtlCol="0">
+                <a:spAutoFit/>
+              </a:bodyPr>
+              <a:lstStyle/>
+              <a:p>
+                <a:r>
+                  <a:rPr lang="fr-FR" sz="1200" dirty="0"/>
+                  <a:t>Pivot glissant</a:t>
+                </a:r>
+              </a:p>
+              <a:p>
+                <a:pPr/>
+                <a14:m>
+                  <m:oMathPara xmlns:m="http://schemas.openxmlformats.org/officeDocument/2006/math">
+                    <m:oMathParaPr>
+                      <m:jc m:val="centerGroup"/>
+                    </m:oMathParaPr>
+                    <m:oMath xmlns:m="http://schemas.openxmlformats.org/officeDocument/2006/math">
+                      <m:d>
+                        <m:dPr>
+                          <m:ctrlPr>
+                            <a:rPr lang="fr-FR" sz="1200" i="1" smtClean="0">
+                              <a:latin typeface="Cambria Math" panose="02040503050406030204" pitchFamily="18" charset="0"/>
+                            </a:rPr>
+                          </m:ctrlPr>
+                        </m:dPr>
+                        <m:e>
+                          <m:r>
+                            <a:rPr lang="fr-FR" sz="1200" b="0" i="1" smtClean="0">
+                              <a:latin typeface="Cambria Math" panose="02040503050406030204" pitchFamily="18" charset="0"/>
+                            </a:rPr>
+                            <m:t>𝐶</m:t>
+                          </m:r>
+                          <m:r>
+                            <a:rPr lang="fr-FR" sz="1200" b="0" i="1" smtClean="0">
+                              <a:latin typeface="Cambria Math"/>
+                            </a:rPr>
+                            <m:t>,</m:t>
+                          </m:r>
+                          <m:sSub>
+                            <m:sSubPr>
+                              <m:ctrlPr>
+                                <a:rPr lang="fr-FR" sz="1200" b="0" i="1" smtClean="0">
+                                  <a:latin typeface="Cambria Math" panose="02040503050406030204" pitchFamily="18" charset="0"/>
+                                </a:rPr>
+                              </m:ctrlPr>
+                            </m:sSubPr>
+                            <m:e>
+                              <m:acc>
+                                <m:accPr>
+                                  <m:chr m:val="⃗"/>
+                                  <m:ctrlPr>
+                                    <a:rPr lang="fr-FR" sz="1200" b="0" i="1" smtClean="0">
+                                      <a:latin typeface="Cambria Math" panose="02040503050406030204" pitchFamily="18" charset="0"/>
+                                    </a:rPr>
+                                  </m:ctrlPr>
+                                </m:accPr>
+                                <m:e>
+                                  <m:r>
+                                    <a:rPr lang="fr-FR" sz="1200" b="0" i="1" smtClean="0">
+                                      <a:latin typeface="Cambria Math"/>
+                                    </a:rPr>
+                                    <m:t>𝑥</m:t>
+                                  </m:r>
+                                </m:e>
+                              </m:acc>
+                            </m:e>
+                            <m:sub>
+                              <m:r>
+                                <a:rPr lang="fr-FR" sz="1200" b="0" i="1" smtClean="0">
+                                  <a:latin typeface="Cambria Math"/>
+                                </a:rPr>
+                                <m:t>2</m:t>
+                              </m:r>
+                            </m:sub>
+                          </m:sSub>
+                        </m:e>
+                      </m:d>
+                    </m:oMath>
+                  </m:oMathPara>
+                </a14:m>
+                <a:endParaRPr lang="fr-FR" sz="1200" dirty="0"/>
+              </a:p>
+            </p:txBody>
+          </p:sp>
+        </mc:Choice>
+        <mc:Fallback>
+          <p:sp>
+            <p:nvSpPr>
+              <p:cNvPr id="47" name="ZoneTexte 46"/>
+              <p:cNvSpPr txBox="1">
+                <a:spLocks noRot="1" noChangeAspect="1" noMove="1" noResize="1" noEditPoints="1" noAdjustHandles="1" noChangeArrowheads="1" noChangeShapeType="1" noTextEdit="1"/>
+              </p:cNvSpPr>
+              <p:nvPr/>
+            </p:nvSpPr>
+            <p:spPr>
+              <a:xfrm>
+                <a:off x="-760171" y="2190055"/>
+                <a:ext cx="1004186" cy="461665"/>
+              </a:xfrm>
+              <a:prstGeom prst="rect">
+                <a:avLst/>
+              </a:prstGeom>
+              <a:blipFill>
+                <a:blip r:embed="rId5"/>
+                <a:stretch>
+                  <a:fillRect/>
+                </a:stretch>
+              </a:blipFill>
+            </p:spPr>
+            <p:txBody>
+              <a:bodyPr/>
+              <a:lstStyle/>
+              <a:p>
+                <a:r>
+                  <a:rPr lang="fr-FR">
+                    <a:noFill/>
+                  </a:rPr>
+                  <a:t> </a:t>
+                </a:r>
+              </a:p>
+            </p:txBody>
+          </p:sp>
+        </mc:Fallback>
+      </mc:AlternateContent>
+      <p:sp>
+        <p:nvSpPr>
+          <p:cNvPr id="17" name="Ellipse 16"/>
+          <p:cNvSpPr/>
+          <p:nvPr/>
+        </p:nvSpPr>
+        <p:spPr>
+          <a:xfrm>
+            <a:off x="27991" y="1772816"/>
+            <a:ext cx="432048" cy="432048"/>
+          </a:xfrm>
+          <a:prstGeom prst="ellipse">
+            <a:avLst/>
+          </a:prstGeom>
+          <a:solidFill>
+            <a:schemeClr val="accent4">
+              <a:lumMod val="20000"/>
+              <a:lumOff val="80000"/>
+            </a:schemeClr>
+          </a:solidFill>
+          <a:ln w="28575">
+            <a:solidFill>
+              <a:schemeClr val="accent4"/>
+            </a:solidFill>
+          </a:ln>
+        </p:spPr>
+        <p:style>
+          <a:lnRef idx="2">
+            <a:schemeClr val="accent1">
+              <a:shade val="50000"/>
+            </a:schemeClr>
+          </a:lnRef>
+          <a:fillRef idx="1">
+            <a:schemeClr val="accent1"/>
+          </a:fillRef>
+          <a:effectRef idx="0">
+            <a:schemeClr val="accent1"/>
+          </a:effectRef>
+          <a:fontRef idx="minor">
+            <a:schemeClr val="lt1"/>
+          </a:fontRef>
+        </p:style>
+        <p:txBody>
+          <a:bodyPr lIns="0" tIns="0" rIns="0" bIns="0" rtlCol="0" anchor="ctr"/>
+          <a:lstStyle/>
+          <a:p>
+            <a:pPr algn="ctr"/>
+            <a:r>
+              <a:rPr lang="fr-FR" b="1" dirty="0">
+                <a:solidFill>
+                  <a:schemeClr val="accent4"/>
+                </a:solidFill>
+              </a:rPr>
+              <a:t>4</a:t>
+            </a:r>
+          </a:p>
+        </p:txBody>
+      </p:sp>
+      <p:sp>
+        <p:nvSpPr>
+          <p:cNvPr id="18" name="Ellipse 17"/>
+          <p:cNvSpPr/>
+          <p:nvPr/>
+        </p:nvSpPr>
+        <p:spPr>
+          <a:xfrm>
+            <a:off x="27991" y="2636912"/>
+            <a:ext cx="432048" cy="432048"/>
+          </a:xfrm>
+          <a:prstGeom prst="ellipse">
+            <a:avLst/>
+          </a:prstGeom>
+          <a:solidFill>
+            <a:srgbClr val="FFD1D1"/>
+          </a:solidFill>
+          <a:ln w="28575">
+            <a:solidFill>
+              <a:srgbClr val="FF0000"/>
+            </a:solidFill>
+          </a:ln>
+        </p:spPr>
+        <p:style>
+          <a:lnRef idx="2">
+            <a:schemeClr val="accent1">
+              <a:shade val="50000"/>
+            </a:schemeClr>
+          </a:lnRef>
+          <a:fillRef idx="1">
+            <a:schemeClr val="accent1"/>
+          </a:fillRef>
+          <a:effectRef idx="0">
+            <a:schemeClr val="accent1"/>
+          </a:effectRef>
+          <a:fontRef idx="minor">
+            <a:schemeClr val="lt1"/>
+          </a:fontRef>
+        </p:style>
+        <p:txBody>
+          <a:bodyPr lIns="0" tIns="0" rIns="0" bIns="0" rtlCol="0" anchor="ctr"/>
+          <a:lstStyle/>
+          <a:p>
+            <a:pPr algn="ctr"/>
+            <a:r>
+              <a:rPr lang="fr-FR" b="1" dirty="0">
+                <a:solidFill>
+                  <a:srgbClr val="FF0000"/>
+                </a:solidFill>
+              </a:rPr>
+              <a:t>2</a:t>
+            </a:r>
+          </a:p>
+        </p:txBody>
+      </p:sp>
+      <p:sp>
+        <p:nvSpPr>
+          <p:cNvPr id="19" name="Ellipse 18"/>
+          <p:cNvSpPr/>
+          <p:nvPr/>
+        </p:nvSpPr>
+        <p:spPr>
+          <a:xfrm>
+            <a:off x="1115616" y="2636912"/>
+            <a:ext cx="432048" cy="432048"/>
+          </a:xfrm>
+          <a:prstGeom prst="ellipse">
+            <a:avLst/>
+          </a:prstGeom>
+          <a:solidFill>
+            <a:schemeClr val="tx2">
+              <a:lumMod val="20000"/>
+              <a:lumOff val="80000"/>
+            </a:schemeClr>
+          </a:solidFill>
+          <a:ln w="28575">
+            <a:solidFill>
+              <a:schemeClr val="tx2"/>
+            </a:solidFill>
+          </a:ln>
+        </p:spPr>
+        <p:style>
+          <a:lnRef idx="2">
+            <a:schemeClr val="accent1">
+              <a:shade val="50000"/>
+            </a:schemeClr>
+          </a:lnRef>
+          <a:fillRef idx="1">
+            <a:schemeClr val="accent1"/>
+          </a:fillRef>
+          <a:effectRef idx="0">
+            <a:schemeClr val="accent1"/>
+          </a:effectRef>
+          <a:fontRef idx="minor">
+            <a:schemeClr val="lt1"/>
+          </a:fontRef>
+        </p:style>
+        <p:txBody>
+          <a:bodyPr lIns="0" tIns="0" rIns="0" bIns="0" rtlCol="0" anchor="ctr"/>
+          <a:lstStyle/>
+          <a:p>
+            <a:pPr algn="ctr"/>
+            <a:r>
+              <a:rPr lang="fr-FR" b="1" dirty="0">
+                <a:solidFill>
+                  <a:schemeClr val="tx2"/>
+                </a:solidFill>
+              </a:rPr>
+              <a:t>1</a:t>
+            </a:r>
+          </a:p>
+        </p:txBody>
+      </p:sp>
+      <p:sp>
+        <p:nvSpPr>
+          <p:cNvPr id="20" name="Ellipse 19"/>
+          <p:cNvSpPr/>
+          <p:nvPr/>
+        </p:nvSpPr>
+        <p:spPr>
+          <a:xfrm>
+            <a:off x="2167377" y="2636912"/>
+            <a:ext cx="432048" cy="432048"/>
+          </a:xfrm>
+          <a:prstGeom prst="ellipse">
+            <a:avLst/>
+          </a:prstGeom>
+          <a:solidFill>
+            <a:srgbClr val="A3FFCD"/>
+          </a:solidFill>
+          <a:ln w="28575">
+            <a:solidFill>
+              <a:srgbClr val="00B050"/>
+            </a:solidFill>
+          </a:ln>
+        </p:spPr>
+        <p:style>
+          <a:lnRef idx="2">
+            <a:schemeClr val="accent1">
+              <a:shade val="50000"/>
+            </a:schemeClr>
+          </a:lnRef>
+          <a:fillRef idx="1">
+            <a:schemeClr val="accent1"/>
+          </a:fillRef>
+          <a:effectRef idx="0">
+            <a:schemeClr val="accent1"/>
+          </a:effectRef>
+          <a:fontRef idx="minor">
+            <a:schemeClr val="lt1"/>
+          </a:fontRef>
+        </p:style>
+        <p:txBody>
+          <a:bodyPr lIns="0" tIns="0" rIns="0" bIns="0" rtlCol="0" anchor="ctr"/>
+          <a:lstStyle/>
+          <a:p>
+            <a:pPr algn="ctr"/>
+            <a:r>
+              <a:rPr lang="fr-FR" b="1" dirty="0">
+                <a:solidFill>
+                  <a:srgbClr val="00B050"/>
+                </a:solidFill>
+              </a:rPr>
+              <a:t>3</a:t>
+            </a:r>
+          </a:p>
+        </p:txBody>
+      </p:sp>
+      <p:sp>
+        <p:nvSpPr>
+          <p:cNvPr id="21" name="Ellipse 20"/>
+          <p:cNvSpPr/>
+          <p:nvPr/>
+        </p:nvSpPr>
+        <p:spPr>
+          <a:xfrm>
+            <a:off x="2167377" y="1772816"/>
+            <a:ext cx="432048" cy="432048"/>
+          </a:xfrm>
+          <a:prstGeom prst="ellipse">
+            <a:avLst/>
+          </a:prstGeom>
+          <a:solidFill>
+            <a:schemeClr val="bg2">
+              <a:lumMod val="90000"/>
+            </a:schemeClr>
+          </a:solidFill>
+          <a:ln w="28575">
+            <a:solidFill>
+              <a:schemeClr val="bg2">
+                <a:lumMod val="25000"/>
+              </a:schemeClr>
+            </a:solidFill>
+          </a:ln>
+        </p:spPr>
+        <p:style>
+          <a:lnRef idx="2">
+            <a:schemeClr val="accent1">
+              <a:shade val="50000"/>
+            </a:schemeClr>
+          </a:lnRef>
+          <a:fillRef idx="1">
+            <a:schemeClr val="accent1"/>
+          </a:fillRef>
+          <a:effectRef idx="0">
+            <a:schemeClr val="accent1"/>
+          </a:effectRef>
+          <a:fontRef idx="minor">
+            <a:schemeClr val="lt1"/>
+          </a:fontRef>
+        </p:style>
+        <p:txBody>
+          <a:bodyPr lIns="0" tIns="0" rIns="0" bIns="0" rtlCol="0" anchor="ctr"/>
+          <a:lstStyle/>
+          <a:p>
+            <a:pPr algn="ctr"/>
+            <a:r>
+              <a:rPr lang="fr-FR" b="1" dirty="0">
+                <a:solidFill>
+                  <a:schemeClr val="bg2">
+                    <a:lumMod val="25000"/>
+                  </a:schemeClr>
+                </a:solidFill>
+              </a:rPr>
+              <a:t>5</a:t>
+            </a:r>
+          </a:p>
+        </p:txBody>
+      </p:sp>
+      <p:sp>
+        <p:nvSpPr>
+          <p:cNvPr id="53" name="Arc 52"/>
+          <p:cNvSpPr/>
+          <p:nvPr/>
+        </p:nvSpPr>
+        <p:spPr>
+          <a:xfrm>
+            <a:off x="74159" y="1996791"/>
+            <a:ext cx="511561" cy="842026"/>
+          </a:xfrm>
+          <a:prstGeom prst="arc">
+            <a:avLst>
+              <a:gd name="adj1" fmla="val 17428693"/>
+              <a:gd name="adj2" fmla="val 4205247"/>
+            </a:avLst>
+          </a:prstGeom>
+          <a:ln w="38100">
+            <a:solidFill>
+              <a:srgbClr val="FF0000"/>
+            </a:solidFill>
+            <a:headEnd type="stealth" w="med" len="lg"/>
+            <a:tailEnd type="stealth" w="med" len="lg"/>
+          </a:ln>
+        </p:spPr>
+        <p:style>
+          <a:lnRef idx="1">
+            <a:schemeClr val="accent1"/>
+          </a:lnRef>
+          <a:fillRef idx="0">
+            <a:schemeClr val="accent1"/>
+          </a:fillRef>
+          <a:effectRef idx="0">
+            <a:schemeClr val="accent1"/>
+          </a:effectRef>
+          <a:fontRef idx="minor">
+            <a:schemeClr val="tx1"/>
+          </a:fontRef>
+        </p:style>
+        <p:txBody>
+          <a:bodyPr rtlCol="0" anchor="ctr"/>
+          <a:lstStyle/>
+          <a:p>
+            <a:pPr algn="ctr"/>
+            <a:endParaRPr lang="fr-FR"/>
+          </a:p>
+        </p:txBody>
+      </p:sp>
+      <p:sp>
+        <p:nvSpPr>
+          <p:cNvPr id="55" name="ZoneTexte 54"/>
+          <p:cNvSpPr txBox="1"/>
+          <p:nvPr/>
+        </p:nvSpPr>
+        <p:spPr>
+          <a:xfrm>
+            <a:off x="576552" y="2282388"/>
+            <a:ext cx="349776" cy="276999"/>
+          </a:xfrm>
+          <a:prstGeom prst="rect">
+            <a:avLst/>
+          </a:prstGeom>
+          <a:noFill/>
+        </p:spPr>
+        <p:txBody>
+          <a:bodyPr wrap="none" rtlCol="0">
+            <a:spAutoFit/>
+          </a:bodyPr>
+          <a:lstStyle/>
+          <a:p>
+            <a:r>
+              <a:rPr lang="fr-FR" sz="1200" b="1" dirty="0"/>
+              <a:t>Ph</a:t>
+            </a:r>
+          </a:p>
+        </p:txBody>
+      </p:sp>
+      <p:sp>
+        <p:nvSpPr>
+          <p:cNvPr id="57" name="ZoneTexte 56"/>
+          <p:cNvSpPr txBox="1"/>
+          <p:nvPr/>
+        </p:nvSpPr>
+        <p:spPr>
+          <a:xfrm>
+            <a:off x="1773870" y="2266878"/>
+            <a:ext cx="349776" cy="276999"/>
+          </a:xfrm>
+          <a:prstGeom prst="rect">
+            <a:avLst/>
+          </a:prstGeom>
+          <a:noFill/>
+        </p:spPr>
+        <p:txBody>
+          <a:bodyPr wrap="none" rtlCol="0">
+            <a:spAutoFit/>
+          </a:bodyPr>
+          <a:lstStyle/>
+          <a:p>
+            <a:r>
+              <a:rPr lang="fr-FR" sz="1200" b="1" dirty="0"/>
+              <a:t>Ph</a:t>
+            </a:r>
+          </a:p>
+        </p:txBody>
+      </p:sp>
+      <p:sp>
+        <p:nvSpPr>
+          <p:cNvPr id="58" name="ZoneTexte 57"/>
+          <p:cNvSpPr txBox="1"/>
+          <p:nvPr/>
+        </p:nvSpPr>
+        <p:spPr>
+          <a:xfrm>
+            <a:off x="447909" y="3844266"/>
+            <a:ext cx="1802096" cy="276999"/>
+          </a:xfrm>
+          <a:prstGeom prst="rect">
+            <a:avLst/>
+          </a:prstGeom>
+          <a:noFill/>
+        </p:spPr>
+        <p:txBody>
+          <a:bodyPr wrap="none" rtlCol="0">
+            <a:spAutoFit/>
+          </a:bodyPr>
+          <a:lstStyle/>
+          <a:p>
+            <a:r>
+              <a:rPr lang="fr-FR" sz="1200" b="1" dirty="0"/>
+              <a:t>Ph : </a:t>
+            </a:r>
+            <a:r>
+              <a:rPr lang="fr-FR" sz="1200" dirty="0"/>
+              <a:t>pression hydraulique</a:t>
+            </a:r>
+          </a:p>
+        </p:txBody>
+      </p:sp>
+      <p:sp>
+        <p:nvSpPr>
+          <p:cNvPr id="54" name="Éclair 53"/>
+          <p:cNvSpPr/>
+          <p:nvPr/>
+        </p:nvSpPr>
+        <p:spPr>
+          <a:xfrm rot="20654556" flipV="1">
+            <a:off x="1110781" y="3117896"/>
+            <a:ext cx="286069" cy="332896"/>
+          </a:xfrm>
+          <a:prstGeom prst="lightningBolt">
+            <a:avLst/>
+          </a:prstGeom>
+          <a:solidFill>
+            <a:srgbClr val="FFC000"/>
+          </a:solidFill>
+          <a:ln>
+            <a:solidFill>
+              <a:srgbClr val="FF0000"/>
+            </a:solidFill>
+          </a:ln>
+        </p:spPr>
+        <p:style>
+          <a:lnRef idx="2">
+            <a:schemeClr val="accent1">
+              <a:shade val="50000"/>
+            </a:schemeClr>
+          </a:lnRef>
+          <a:fillRef idx="1">
+            <a:schemeClr val="accent1"/>
+          </a:fillRef>
+          <a:effectRef idx="0">
+            <a:schemeClr val="accent1"/>
+          </a:effectRef>
+          <a:fontRef idx="minor">
+            <a:schemeClr val="lt1"/>
+          </a:fontRef>
+        </p:style>
+        <p:txBody>
+          <a:bodyPr rtlCol="0" anchor="ctr"/>
+          <a:lstStyle/>
+          <a:p>
+            <a:pPr algn="ctr"/>
+            <a:endParaRPr lang="fr-FR"/>
+          </a:p>
+        </p:txBody>
+      </p:sp>
+      <p:sp>
+        <p:nvSpPr>
+          <p:cNvPr id="60" name="ZoneTexte 59"/>
+          <p:cNvSpPr txBox="1"/>
+          <p:nvPr/>
+        </p:nvSpPr>
+        <p:spPr>
+          <a:xfrm>
+            <a:off x="919186" y="3445295"/>
+            <a:ext cx="824906" cy="276999"/>
+          </a:xfrm>
+          <a:prstGeom prst="rect">
+            <a:avLst/>
+          </a:prstGeom>
+          <a:noFill/>
+        </p:spPr>
+        <p:txBody>
+          <a:bodyPr wrap="none" rtlCol="0">
+            <a:spAutoFit/>
+          </a:bodyPr>
+          <a:lstStyle/>
+          <a:p>
+            <a:r>
+              <a:rPr lang="fr-FR" sz="1200" b="1" dirty="0"/>
+              <a:t>Pesanteur</a:t>
+            </a:r>
+          </a:p>
+        </p:txBody>
+      </p:sp>
+      <mc:AlternateContent xmlns:mc="http://schemas.openxmlformats.org/markup-compatibility/2006">
+        <mc:Choice xmlns:a14="http://schemas.microsoft.com/office/drawing/2010/main" Requires="a14">
+          <p:sp>
+            <p:nvSpPr>
+              <p:cNvPr id="34" name="ZoneTexte 33">
+                <a:extLst>
+                  <a:ext uri="{FF2B5EF4-FFF2-40B4-BE49-F238E27FC236}">
+                    <a16:creationId xmlns:a16="http://schemas.microsoft.com/office/drawing/2014/main" id="{15697E69-C278-4697-A437-F04FEFE1414A}"/>
+                  </a:ext>
+                </a:extLst>
+              </p:cNvPr>
+              <p:cNvSpPr txBox="1"/>
+              <p:nvPr/>
+            </p:nvSpPr>
+            <p:spPr>
+              <a:xfrm rot="16200000">
+                <a:off x="354640" y="1393077"/>
+                <a:ext cx="667427" cy="461665"/>
+              </a:xfrm>
+              <a:prstGeom prst="rect">
+                <a:avLst/>
+              </a:prstGeom>
+              <a:noFill/>
+            </p:spPr>
+            <p:txBody>
+              <a:bodyPr wrap="none" rtlCol="0">
+                <a:spAutoFit/>
+              </a:bodyPr>
+              <a:lstStyle/>
+              <a:p>
+                <a:pPr algn="ctr"/>
+                <a:r>
+                  <a:rPr lang="fr-FR" sz="1200" dirty="0"/>
+                  <a:t>Pivot</a:t>
+                </a:r>
+                <a:endParaRPr lang="fr-FR" sz="1200" i="1" dirty="0">
+                  <a:latin typeface="Cambria Math"/>
+                </a:endParaRPr>
+              </a:p>
+              <a:p>
+                <a:pPr algn="ctr"/>
+                <a14:m>
+                  <m:oMath xmlns:m="http://schemas.openxmlformats.org/officeDocument/2006/math">
+                    <m:d>
+                      <m:dPr>
+                        <m:ctrlPr>
+                          <a:rPr lang="fr-FR" sz="1200" i="1" smtClean="0">
+                            <a:latin typeface="Cambria Math" panose="02040503050406030204" pitchFamily="18" charset="0"/>
+                          </a:rPr>
+                        </m:ctrlPr>
+                      </m:dPr>
+                      <m:e>
+                        <m:r>
+                          <a:rPr lang="fr-FR" sz="1200" b="0" i="1" smtClean="0">
+                            <a:latin typeface="Cambria Math" panose="02040503050406030204" pitchFamily="18" charset="0"/>
+                          </a:rPr>
+                          <m:t>𝐶</m:t>
+                        </m:r>
+                        <m:r>
+                          <a:rPr lang="fr-FR" sz="1200" b="0" i="1" smtClean="0">
+                            <a:latin typeface="Cambria Math"/>
+                          </a:rPr>
+                          <m:t>,</m:t>
+                        </m:r>
+                        <m:sSub>
+                          <m:sSubPr>
+                            <m:ctrlPr>
+                              <a:rPr lang="fr-FR" sz="1200" b="0" i="1" smtClean="0">
+                                <a:latin typeface="Cambria Math" panose="02040503050406030204" pitchFamily="18" charset="0"/>
+                              </a:rPr>
+                            </m:ctrlPr>
+                          </m:sSubPr>
+                          <m:e>
+                            <m:acc>
+                              <m:accPr>
+                                <m:chr m:val="⃗"/>
+                                <m:ctrlPr>
+                                  <a:rPr lang="fr-FR" sz="1200" b="0" i="1" smtClean="0">
+                                    <a:latin typeface="Cambria Math" panose="02040503050406030204" pitchFamily="18" charset="0"/>
+                                  </a:rPr>
+                                </m:ctrlPr>
+                              </m:accPr>
+                              <m:e>
+                                <m:r>
+                                  <a:rPr lang="fr-FR" sz="1200" b="0" i="1" smtClean="0">
+                                    <a:latin typeface="Cambria Math"/>
+                                  </a:rPr>
+                                  <m:t>𝑧</m:t>
+                                </m:r>
+                              </m:e>
+                            </m:acc>
+                          </m:e>
+                          <m:sub>
+                            <m:r>
+                              <a:rPr lang="fr-FR" sz="1200" b="0" i="1" smtClean="0">
+                                <a:latin typeface="Cambria Math"/>
+                              </a:rPr>
+                              <m:t>𝑁</m:t>
+                            </m:r>
+                          </m:sub>
+                        </m:sSub>
+                      </m:e>
+                    </m:d>
+                  </m:oMath>
+                </a14:m>
+                <a:r>
+                  <a:rPr lang="fr-FR" sz="1200" dirty="0"/>
+                  <a:t> </a:t>
+                </a:r>
+              </a:p>
+            </p:txBody>
+          </p:sp>
+        </mc:Choice>
+        <mc:Fallback>
+          <p:sp>
+            <p:nvSpPr>
+              <p:cNvPr id="34" name="ZoneTexte 33">
+                <a:extLst>
+                  <a:ext uri="{FF2B5EF4-FFF2-40B4-BE49-F238E27FC236}">
+                    <a16:creationId xmlns:a16="http://schemas.microsoft.com/office/drawing/2014/main" id="{15697E69-C278-4697-A437-F04FEFE1414A}"/>
+                  </a:ext>
+                </a:extLst>
+              </p:cNvPr>
+              <p:cNvSpPr txBox="1">
+                <a:spLocks noRot="1" noChangeAspect="1" noMove="1" noResize="1" noEditPoints="1" noAdjustHandles="1" noChangeArrowheads="1" noChangeShapeType="1" noTextEdit="1"/>
+              </p:cNvSpPr>
+              <p:nvPr/>
+            </p:nvSpPr>
+            <p:spPr>
+              <a:xfrm rot="16200000">
+                <a:off x="354640" y="1393077"/>
+                <a:ext cx="667427" cy="461665"/>
+              </a:xfrm>
+              <a:prstGeom prst="rect">
+                <a:avLst/>
+              </a:prstGeom>
+              <a:blipFill>
+                <a:blip r:embed="rId6"/>
+                <a:stretch>
+                  <a:fillRect/>
+                </a:stretch>
+              </a:blipFill>
+            </p:spPr>
+            <p:txBody>
+              <a:bodyPr/>
+              <a:lstStyle/>
+              <a:p>
+                <a:r>
+                  <a:rPr lang="fr-FR">
+                    <a:noFill/>
+                  </a:rPr>
+                  <a:t> </a:t>
+                </a:r>
+              </a:p>
+            </p:txBody>
+          </p:sp>
+        </mc:Fallback>
+      </mc:AlternateContent>
+      <mc:AlternateContent xmlns:mc="http://schemas.openxmlformats.org/markup-compatibility/2006">
+        <mc:Choice xmlns:a14="http://schemas.microsoft.com/office/drawing/2010/main" Requires="a14">
+          <p:sp>
+            <p:nvSpPr>
+              <p:cNvPr id="36" name="ZoneTexte 35">
+                <a:extLst>
+                  <a:ext uri="{FF2B5EF4-FFF2-40B4-BE49-F238E27FC236}">
+                    <a16:creationId xmlns:a16="http://schemas.microsoft.com/office/drawing/2014/main" id="{4237C99B-38B0-4485-B01C-F45C9462E86A}"/>
+                  </a:ext>
+                </a:extLst>
+              </p:cNvPr>
+              <p:cNvSpPr txBox="1"/>
+              <p:nvPr/>
+            </p:nvSpPr>
+            <p:spPr>
+              <a:xfrm rot="16200000">
+                <a:off x="1530698" y="1363308"/>
+                <a:ext cx="674416" cy="461665"/>
+              </a:xfrm>
+              <a:prstGeom prst="rect">
+                <a:avLst/>
+              </a:prstGeom>
+              <a:noFill/>
+            </p:spPr>
+            <p:txBody>
+              <a:bodyPr wrap="none" rtlCol="0">
+                <a:spAutoFit/>
+              </a:bodyPr>
+              <a:lstStyle/>
+              <a:p>
+                <a:pPr algn="ctr"/>
+                <a:r>
+                  <a:rPr lang="fr-FR" sz="1200" dirty="0"/>
+                  <a:t>Pivot</a:t>
+                </a:r>
+                <a:endParaRPr lang="fr-FR" sz="1200" i="1" dirty="0">
+                  <a:latin typeface="Cambria Math"/>
+                </a:endParaRPr>
+              </a:p>
+              <a:p>
+                <a:pPr algn="ctr"/>
+                <a14:m>
+                  <m:oMath xmlns:m="http://schemas.openxmlformats.org/officeDocument/2006/math">
+                    <m:d>
+                      <m:dPr>
+                        <m:ctrlPr>
+                          <a:rPr lang="fr-FR" sz="1200" i="1" smtClean="0">
+                            <a:latin typeface="Cambria Math" panose="02040503050406030204" pitchFamily="18" charset="0"/>
+                          </a:rPr>
+                        </m:ctrlPr>
+                      </m:dPr>
+                      <m:e>
+                        <m:r>
+                          <a:rPr lang="fr-FR" sz="1200" b="0" i="1" smtClean="0">
+                            <a:latin typeface="Cambria Math" panose="02040503050406030204" pitchFamily="18" charset="0"/>
+                          </a:rPr>
+                          <m:t>𝐵</m:t>
+                        </m:r>
+                        <m:r>
+                          <a:rPr lang="fr-FR" sz="1200" b="0" i="1" smtClean="0">
+                            <a:latin typeface="Cambria Math"/>
+                          </a:rPr>
+                          <m:t>,</m:t>
+                        </m:r>
+                        <m:sSub>
+                          <m:sSubPr>
+                            <m:ctrlPr>
+                              <a:rPr lang="fr-FR" sz="1200" b="0" i="1" smtClean="0">
+                                <a:latin typeface="Cambria Math" panose="02040503050406030204" pitchFamily="18" charset="0"/>
+                              </a:rPr>
+                            </m:ctrlPr>
+                          </m:sSubPr>
+                          <m:e>
+                            <m:acc>
+                              <m:accPr>
+                                <m:chr m:val="⃗"/>
+                                <m:ctrlPr>
+                                  <a:rPr lang="fr-FR" sz="1200" b="0" i="1" smtClean="0">
+                                    <a:latin typeface="Cambria Math" panose="02040503050406030204" pitchFamily="18" charset="0"/>
+                                  </a:rPr>
+                                </m:ctrlPr>
+                              </m:accPr>
+                              <m:e>
+                                <m:r>
+                                  <a:rPr lang="fr-FR" sz="1200" b="0" i="1" smtClean="0">
+                                    <a:latin typeface="Cambria Math"/>
+                                  </a:rPr>
+                                  <m:t>𝑧</m:t>
+                                </m:r>
+                              </m:e>
+                            </m:acc>
+                          </m:e>
+                          <m:sub>
+                            <m:r>
+                              <a:rPr lang="fr-FR" sz="1200" b="0" i="1" smtClean="0">
+                                <a:latin typeface="Cambria Math"/>
+                              </a:rPr>
+                              <m:t>𝑁</m:t>
+                            </m:r>
+                          </m:sub>
+                        </m:sSub>
+                      </m:e>
+                    </m:d>
+                  </m:oMath>
+                </a14:m>
+                <a:r>
+                  <a:rPr lang="fr-FR" sz="1200" dirty="0"/>
+                  <a:t> </a:t>
+                </a:r>
+              </a:p>
+            </p:txBody>
+          </p:sp>
+        </mc:Choice>
+        <mc:Fallback>
+          <p:sp>
+            <p:nvSpPr>
+              <p:cNvPr id="36" name="ZoneTexte 35">
+                <a:extLst>
+                  <a:ext uri="{FF2B5EF4-FFF2-40B4-BE49-F238E27FC236}">
+                    <a16:creationId xmlns:a16="http://schemas.microsoft.com/office/drawing/2014/main" id="{4237C99B-38B0-4485-B01C-F45C9462E86A}"/>
+                  </a:ext>
+                </a:extLst>
+              </p:cNvPr>
+              <p:cNvSpPr txBox="1">
+                <a:spLocks noRot="1" noChangeAspect="1" noMove="1" noResize="1" noEditPoints="1" noAdjustHandles="1" noChangeArrowheads="1" noChangeShapeType="1" noTextEdit="1"/>
+              </p:cNvSpPr>
+              <p:nvPr/>
+            </p:nvSpPr>
+            <p:spPr>
+              <a:xfrm rot="16200000">
+                <a:off x="1530698" y="1363308"/>
+                <a:ext cx="674416" cy="461665"/>
+              </a:xfrm>
+              <a:prstGeom prst="rect">
+                <a:avLst/>
+              </a:prstGeom>
+              <a:blipFill>
+                <a:blip r:embed="rId7"/>
+                <a:stretch>
+                  <a:fillRect/>
+                </a:stretch>
+              </a:blipFill>
+            </p:spPr>
+            <p:txBody>
+              <a:bodyPr/>
+              <a:lstStyle/>
+              <a:p>
+                <a:r>
+                  <a:rPr lang="fr-FR">
+                    <a:noFill/>
+                  </a:rPr>
+                  <a:t> </a:t>
+                </a:r>
+              </a:p>
+            </p:txBody>
+          </p:sp>
+        </mc:Fallback>
+      </mc:AlternateContent>
+      <mc:AlternateContent xmlns:mc="http://schemas.openxmlformats.org/markup-compatibility/2006">
+        <mc:Choice xmlns:a14="http://schemas.microsoft.com/office/drawing/2010/main" Requires="a14">
+          <p:sp>
+            <p:nvSpPr>
+              <p:cNvPr id="37" name="ZoneTexte 36">
+                <a:extLst>
+                  <a:ext uri="{FF2B5EF4-FFF2-40B4-BE49-F238E27FC236}">
+                    <a16:creationId xmlns:a16="http://schemas.microsoft.com/office/drawing/2014/main" id="{12E5B895-6325-48F7-BC78-23E06467618C}"/>
+                  </a:ext>
+                </a:extLst>
+              </p:cNvPr>
+              <p:cNvSpPr txBox="1"/>
+              <p:nvPr/>
+            </p:nvSpPr>
+            <p:spPr>
+              <a:xfrm rot="16200000">
+                <a:off x="349702" y="2977022"/>
+                <a:ext cx="677301" cy="461665"/>
+              </a:xfrm>
+              <a:prstGeom prst="rect">
+                <a:avLst/>
+              </a:prstGeom>
+              <a:noFill/>
+            </p:spPr>
+            <p:txBody>
+              <a:bodyPr wrap="none" rtlCol="0">
+                <a:spAutoFit/>
+              </a:bodyPr>
+              <a:lstStyle/>
+              <a:p>
+                <a:pPr algn="ctr"/>
+                <a:r>
+                  <a:rPr lang="fr-FR" sz="1200" dirty="0"/>
+                  <a:t>Pivot</a:t>
+                </a:r>
+                <a:endParaRPr lang="fr-FR" sz="1200" i="1" dirty="0">
+                  <a:latin typeface="Cambria Math"/>
+                </a:endParaRPr>
+              </a:p>
+              <a:p>
+                <a:pPr algn="ctr"/>
+                <a14:m>
+                  <m:oMath xmlns:m="http://schemas.openxmlformats.org/officeDocument/2006/math">
+                    <m:d>
+                      <m:dPr>
+                        <m:ctrlPr>
+                          <a:rPr lang="fr-FR" sz="1200" i="1" smtClean="0">
+                            <a:latin typeface="Cambria Math" panose="02040503050406030204" pitchFamily="18" charset="0"/>
+                          </a:rPr>
+                        </m:ctrlPr>
+                      </m:dPr>
+                      <m:e>
+                        <m:r>
+                          <a:rPr lang="fr-FR" sz="1200" b="0" i="1" smtClean="0">
+                            <a:latin typeface="Cambria Math" panose="02040503050406030204" pitchFamily="18" charset="0"/>
+                          </a:rPr>
+                          <m:t>𝑂</m:t>
+                        </m:r>
+                        <m:r>
+                          <a:rPr lang="fr-FR" sz="1200" b="0" i="1" smtClean="0">
+                            <a:latin typeface="Cambria Math"/>
+                          </a:rPr>
+                          <m:t>,</m:t>
+                        </m:r>
+                        <m:sSub>
+                          <m:sSubPr>
+                            <m:ctrlPr>
+                              <a:rPr lang="fr-FR" sz="1200" b="0" i="1" smtClean="0">
+                                <a:latin typeface="Cambria Math" panose="02040503050406030204" pitchFamily="18" charset="0"/>
+                              </a:rPr>
+                            </m:ctrlPr>
+                          </m:sSubPr>
+                          <m:e>
+                            <m:acc>
+                              <m:accPr>
+                                <m:chr m:val="⃗"/>
+                                <m:ctrlPr>
+                                  <a:rPr lang="fr-FR" sz="1200" b="0" i="1" smtClean="0">
+                                    <a:latin typeface="Cambria Math" panose="02040503050406030204" pitchFamily="18" charset="0"/>
+                                  </a:rPr>
+                                </m:ctrlPr>
+                              </m:accPr>
+                              <m:e>
+                                <m:r>
+                                  <a:rPr lang="fr-FR" sz="1200" b="0" i="1" smtClean="0">
+                                    <a:latin typeface="Cambria Math"/>
+                                  </a:rPr>
+                                  <m:t>𝑧</m:t>
+                                </m:r>
+                              </m:e>
+                            </m:acc>
+                          </m:e>
+                          <m:sub>
+                            <m:r>
+                              <a:rPr lang="fr-FR" sz="1200" b="0" i="1" smtClean="0">
+                                <a:latin typeface="Cambria Math"/>
+                              </a:rPr>
+                              <m:t>𝑁</m:t>
+                            </m:r>
+                          </m:sub>
+                        </m:sSub>
+                      </m:e>
+                    </m:d>
+                  </m:oMath>
+                </a14:m>
+                <a:r>
+                  <a:rPr lang="fr-FR" sz="1200" dirty="0"/>
+                  <a:t> </a:t>
+                </a:r>
+              </a:p>
+            </p:txBody>
+          </p:sp>
+        </mc:Choice>
+        <mc:Fallback>
+          <p:sp>
+            <p:nvSpPr>
+              <p:cNvPr id="37" name="ZoneTexte 36">
+                <a:extLst>
+                  <a:ext uri="{FF2B5EF4-FFF2-40B4-BE49-F238E27FC236}">
+                    <a16:creationId xmlns:a16="http://schemas.microsoft.com/office/drawing/2014/main" id="{12E5B895-6325-48F7-BC78-23E06467618C}"/>
+                  </a:ext>
+                </a:extLst>
+              </p:cNvPr>
+              <p:cNvSpPr txBox="1">
+                <a:spLocks noRot="1" noChangeAspect="1" noMove="1" noResize="1" noEditPoints="1" noAdjustHandles="1" noChangeArrowheads="1" noChangeShapeType="1" noTextEdit="1"/>
+              </p:cNvSpPr>
+              <p:nvPr/>
+            </p:nvSpPr>
+            <p:spPr>
+              <a:xfrm rot="16200000">
+                <a:off x="349702" y="2977022"/>
+                <a:ext cx="677301" cy="461665"/>
+              </a:xfrm>
+              <a:prstGeom prst="rect">
+                <a:avLst/>
+              </a:prstGeom>
+              <a:blipFill>
+                <a:blip r:embed="rId8"/>
+                <a:stretch>
+                  <a:fillRect/>
+                </a:stretch>
+              </a:blipFill>
+            </p:spPr>
+            <p:txBody>
+              <a:bodyPr/>
+              <a:lstStyle/>
+              <a:p>
+                <a:r>
+                  <a:rPr lang="fr-FR">
+                    <a:noFill/>
+                  </a:rPr>
+                  <a:t> </a:t>
+                </a:r>
+              </a:p>
+            </p:txBody>
+          </p:sp>
+        </mc:Fallback>
+      </mc:AlternateContent>
+      <mc:AlternateContent xmlns:mc="http://schemas.openxmlformats.org/markup-compatibility/2006">
+        <mc:Choice xmlns:a14="http://schemas.microsoft.com/office/drawing/2010/main" Requires="a14">
+          <p:sp>
+            <p:nvSpPr>
+              <p:cNvPr id="38" name="ZoneTexte 37">
+                <a:extLst>
+                  <a:ext uri="{FF2B5EF4-FFF2-40B4-BE49-F238E27FC236}">
+                    <a16:creationId xmlns:a16="http://schemas.microsoft.com/office/drawing/2014/main" id="{BF9C10E5-F3C4-441A-B505-FEE4C7B96261}"/>
+                  </a:ext>
+                </a:extLst>
+              </p:cNvPr>
+              <p:cNvSpPr txBox="1"/>
+              <p:nvPr/>
+            </p:nvSpPr>
+            <p:spPr>
+              <a:xfrm rot="16200000">
+                <a:off x="1529255" y="2947253"/>
+                <a:ext cx="677301" cy="461665"/>
+              </a:xfrm>
+              <a:prstGeom prst="rect">
+                <a:avLst/>
+              </a:prstGeom>
+              <a:noFill/>
+            </p:spPr>
+            <p:txBody>
+              <a:bodyPr wrap="none" rtlCol="0">
+                <a:spAutoFit/>
+              </a:bodyPr>
+              <a:lstStyle/>
+              <a:p>
+                <a:pPr algn="ctr"/>
+                <a:r>
+                  <a:rPr lang="fr-FR" sz="1200" dirty="0"/>
+                  <a:t>Pivot</a:t>
+                </a:r>
+                <a:endParaRPr lang="fr-FR" sz="1200" i="1" dirty="0">
+                  <a:latin typeface="Cambria Math"/>
+                </a:endParaRPr>
+              </a:p>
+              <a:p>
+                <a:pPr algn="ctr"/>
+                <a14:m>
+                  <m:oMath xmlns:m="http://schemas.openxmlformats.org/officeDocument/2006/math">
+                    <m:d>
+                      <m:dPr>
+                        <m:ctrlPr>
+                          <a:rPr lang="fr-FR" sz="1200" i="1" smtClean="0">
+                            <a:latin typeface="Cambria Math" panose="02040503050406030204" pitchFamily="18" charset="0"/>
+                          </a:rPr>
+                        </m:ctrlPr>
+                      </m:dPr>
+                      <m:e>
+                        <m:r>
+                          <a:rPr lang="fr-FR" sz="1200" b="0" i="1" smtClean="0">
+                            <a:latin typeface="Cambria Math" panose="02040503050406030204" pitchFamily="18" charset="0"/>
+                          </a:rPr>
+                          <m:t>𝑂</m:t>
+                        </m:r>
+                        <m:r>
+                          <a:rPr lang="fr-FR" sz="1200" b="0" i="1" smtClean="0">
+                            <a:latin typeface="Cambria Math"/>
+                          </a:rPr>
+                          <m:t>,</m:t>
+                        </m:r>
+                        <m:sSub>
+                          <m:sSubPr>
+                            <m:ctrlPr>
+                              <a:rPr lang="fr-FR" sz="1200" b="0" i="1" smtClean="0">
+                                <a:latin typeface="Cambria Math" panose="02040503050406030204" pitchFamily="18" charset="0"/>
+                              </a:rPr>
+                            </m:ctrlPr>
+                          </m:sSubPr>
+                          <m:e>
+                            <m:acc>
+                              <m:accPr>
+                                <m:chr m:val="⃗"/>
+                                <m:ctrlPr>
+                                  <a:rPr lang="fr-FR" sz="1200" b="0" i="1" smtClean="0">
+                                    <a:latin typeface="Cambria Math" panose="02040503050406030204" pitchFamily="18" charset="0"/>
+                                  </a:rPr>
+                                </m:ctrlPr>
+                              </m:accPr>
+                              <m:e>
+                                <m:r>
+                                  <a:rPr lang="fr-FR" sz="1200" b="0" i="1" smtClean="0">
+                                    <a:latin typeface="Cambria Math"/>
+                                  </a:rPr>
+                                  <m:t>𝑧</m:t>
+                                </m:r>
+                              </m:e>
+                            </m:acc>
+                          </m:e>
+                          <m:sub>
+                            <m:r>
+                              <a:rPr lang="fr-FR" sz="1200" b="0" i="1" smtClean="0">
+                                <a:latin typeface="Cambria Math"/>
+                              </a:rPr>
+                              <m:t>𝑁</m:t>
+                            </m:r>
+                          </m:sub>
+                        </m:sSub>
+                      </m:e>
+                    </m:d>
+                  </m:oMath>
+                </a14:m>
+                <a:r>
+                  <a:rPr lang="fr-FR" sz="1200" dirty="0"/>
+                  <a:t> </a:t>
+                </a:r>
+              </a:p>
+            </p:txBody>
+          </p:sp>
+        </mc:Choice>
+        <mc:Fallback>
+          <p:sp>
+            <p:nvSpPr>
+              <p:cNvPr id="38" name="ZoneTexte 37">
+                <a:extLst>
+                  <a:ext uri="{FF2B5EF4-FFF2-40B4-BE49-F238E27FC236}">
+                    <a16:creationId xmlns:a16="http://schemas.microsoft.com/office/drawing/2014/main" id="{BF9C10E5-F3C4-441A-B505-FEE4C7B96261}"/>
+                  </a:ext>
+                </a:extLst>
+              </p:cNvPr>
+              <p:cNvSpPr txBox="1">
+                <a:spLocks noRot="1" noChangeAspect="1" noMove="1" noResize="1" noEditPoints="1" noAdjustHandles="1" noChangeArrowheads="1" noChangeShapeType="1" noTextEdit="1"/>
+              </p:cNvSpPr>
+              <p:nvPr/>
+            </p:nvSpPr>
+            <p:spPr>
+              <a:xfrm rot="16200000">
+                <a:off x="1529255" y="2947253"/>
+                <a:ext cx="677301" cy="461665"/>
+              </a:xfrm>
+              <a:prstGeom prst="rect">
+                <a:avLst/>
+              </a:prstGeom>
+              <a:blipFill>
+                <a:blip r:embed="rId9"/>
+                <a:stretch>
+                  <a:fillRect/>
+                </a:stretch>
+              </a:blipFill>
+            </p:spPr>
+            <p:txBody>
+              <a:bodyPr/>
+              <a:lstStyle/>
+              <a:p>
+                <a:r>
+                  <a:rPr lang="fr-FR">
+                    <a:noFill/>
+                  </a:rPr>
+                  <a:t> </a:t>
+                </a:r>
+              </a:p>
+            </p:txBody>
+          </p:sp>
+        </mc:Fallback>
+      </mc:AlternateContent>
+    </p:spTree>
+    <p:extLst>
+      <p:ext uri="{BB962C8B-B14F-4D97-AF65-F5344CB8AC3E}">
+        <p14:creationId xmlns:p14="http://schemas.microsoft.com/office/powerpoint/2010/main" val="1473568905"/>
+      </p:ext>
+    </p:extLst>
+  </p:cSld>
+  <p:clrMapOvr>
+    <a:masterClrMapping/>
+  </p:clrMapOvr>
+</p:sld>
+</file>
+
+<file path=ppt/slides/slide3.xml><?xml version="1.0" encoding="utf-8"?>
 <p:sld xmlns:a="http://schemas.openxmlformats.org/drawingml/2006/main" xmlns:r="http://schemas.openxmlformats.org/officeDocument/2006/relationships" xmlns:p="http://schemas.openxmlformats.org/presentationml/2006/main">
   <p:cSld>
     <p:spTree>
@@ -5342,8 +7514,8 @@
           </a:p>
         </p:txBody>
       </p:sp>
-      <mc:AlternateContent xmlns:mc="http://schemas.openxmlformats.org/markup-compatibility/2006">
-        <mc:Choice xmlns:a14="http://schemas.microsoft.com/office/drawing/2010/main" Requires="a14">
+      <mc:AlternateContent xmlns:mc="http://schemas.openxmlformats.org/markup-compatibility/2006" xmlns:a14="http://schemas.microsoft.com/office/drawing/2010/main">
+        <mc:Choice Requires="a14">
           <p:sp>
             <p:nvSpPr>
               <p:cNvPr id="14" name="ZoneTexte 13"/>
@@ -5366,6 +7538,7 @@
               </a:bodyPr>
               <a:lstStyle/>
               <a:p>
+                <a:pPr/>
                 <a14:m>
                   <m:oMathPara xmlns:m="http://schemas.openxmlformats.org/officeDocument/2006/math">
                     <m:oMathParaPr>
@@ -5376,7 +7549,7 @@
                         <m:sSubPr>
                           <m:ctrlPr>
                             <a:rPr lang="fr-FR" sz="1050" b="0" i="1" smtClean="0">
-                              <a:latin typeface="Cambria Math"/>
+                              <a:latin typeface="Cambria Math" panose="02040503050406030204" pitchFamily="18" charset="0"/>
                             </a:rPr>
                           </m:ctrlPr>
                         </m:sSubPr>
@@ -5405,7 +7578,7 @@
             </p:txBody>
           </p:sp>
         </mc:Choice>
-        <mc:Fallback>
+        <mc:Fallback xmlns="">
           <p:sp>
             <p:nvSpPr>
               <p:cNvPr id="14" name="ZoneTexte 13"/>
@@ -5444,8 +7617,8 @@
           </p:sp>
         </mc:Fallback>
       </mc:AlternateContent>
-      <mc:AlternateContent xmlns:mc="http://schemas.openxmlformats.org/markup-compatibility/2006">
-        <mc:Choice xmlns:a14="http://schemas.microsoft.com/office/drawing/2010/main" Requires="a14">
+      <mc:AlternateContent xmlns:mc="http://schemas.openxmlformats.org/markup-compatibility/2006" xmlns:a14="http://schemas.microsoft.com/office/drawing/2010/main">
+        <mc:Choice Requires="a14">
           <p:sp>
             <p:nvSpPr>
               <p:cNvPr id="15" name="ZoneTexte 14"/>
@@ -5468,6 +7641,7 @@
               </a:bodyPr>
               <a:lstStyle/>
               <a:p>
+                <a:pPr/>
                 <a14:m>
                   <m:oMathPara xmlns:m="http://schemas.openxmlformats.org/officeDocument/2006/math">
                     <m:oMathParaPr>
@@ -5479,7 +7653,7 @@
                           <m:chr m:val="⃗"/>
                           <m:ctrlPr>
                             <a:rPr lang="fr-FR" sz="1050" b="0" i="1" smtClean="0">
-                              <a:latin typeface="Cambria Math"/>
+                              <a:latin typeface="Cambria Math" panose="02040503050406030204" pitchFamily="18" charset="0"/>
                             </a:rPr>
                           </m:ctrlPr>
                         </m:accPr>
@@ -5488,7 +7662,7 @@
                             <m:sSubPr>
                               <m:ctrlPr>
                                 <a:rPr lang="fr-FR" sz="1050" i="1">
-                                  <a:latin typeface="Cambria Math"/>
+                                  <a:latin typeface="Cambria Math" panose="02040503050406030204" pitchFamily="18" charset="0"/>
                                 </a:rPr>
                               </m:ctrlPr>
                             </m:sSubPr>
@@ -5519,7 +7693,7 @@
             </p:txBody>
           </p:sp>
         </mc:Choice>
-        <mc:Fallback>
+        <mc:Fallback xmlns="">
           <p:sp>
             <p:nvSpPr>
               <p:cNvPr id="15" name="ZoneTexte 14"/>
@@ -5558,8 +7732,8 @@
           </p:sp>
         </mc:Fallback>
       </mc:AlternateContent>
-      <mc:AlternateContent xmlns:mc="http://schemas.openxmlformats.org/markup-compatibility/2006">
-        <mc:Choice xmlns:a14="http://schemas.microsoft.com/office/drawing/2010/main" Requires="a14">
+      <mc:AlternateContent xmlns:mc="http://schemas.openxmlformats.org/markup-compatibility/2006" xmlns:a14="http://schemas.microsoft.com/office/drawing/2010/main">
+        <mc:Choice Requires="a14">
           <p:sp>
             <p:nvSpPr>
               <p:cNvPr id="16" name="ZoneTexte 15"/>
@@ -5582,6 +7756,7 @@
               </a:bodyPr>
               <a:lstStyle/>
               <a:p>
+                <a:pPr/>
                 <a14:m>
                   <m:oMathPara xmlns:m="http://schemas.openxmlformats.org/officeDocument/2006/math">
                     <m:oMathParaPr>
@@ -5593,7 +7768,7 @@
                           <m:chr m:val="⃗"/>
                           <m:ctrlPr>
                             <a:rPr lang="fr-FR" sz="1050" b="0" i="1" smtClean="0">
-                              <a:latin typeface="Cambria Math"/>
+                              <a:latin typeface="Cambria Math" panose="02040503050406030204" pitchFamily="18" charset="0"/>
                             </a:rPr>
                           </m:ctrlPr>
                         </m:accPr>
@@ -5602,7 +7777,7 @@
                             <m:sSubPr>
                               <m:ctrlPr>
                                 <a:rPr lang="fr-FR" sz="1050" i="1">
-                                  <a:latin typeface="Cambria Math"/>
+                                  <a:latin typeface="Cambria Math" panose="02040503050406030204" pitchFamily="18" charset="0"/>
                                 </a:rPr>
                               </m:ctrlPr>
                             </m:sSubPr>
@@ -5633,7 +7808,7 @@
             </p:txBody>
           </p:sp>
         </mc:Choice>
-        <mc:Fallback>
+        <mc:Fallback xmlns="">
           <p:sp>
             <p:nvSpPr>
               <p:cNvPr id="16" name="ZoneTexte 15"/>
@@ -5672,8 +7847,8 @@
           </p:sp>
         </mc:Fallback>
       </mc:AlternateContent>
-      <mc:AlternateContent xmlns:mc="http://schemas.openxmlformats.org/markup-compatibility/2006">
-        <mc:Choice xmlns:a14="http://schemas.microsoft.com/office/drawing/2010/main" Requires="a14">
+      <mc:AlternateContent xmlns:mc="http://schemas.openxmlformats.org/markup-compatibility/2006" xmlns:a14="http://schemas.microsoft.com/office/drawing/2010/main">
+        <mc:Choice Requires="a14">
           <p:sp>
             <p:nvSpPr>
               <p:cNvPr id="17" name="ZoneTexte 16"/>
@@ -5696,6 +7871,7 @@
               </a:bodyPr>
               <a:lstStyle/>
               <a:p>
+                <a:pPr/>
                 <a14:m>
                   <m:oMathPara xmlns:m="http://schemas.openxmlformats.org/officeDocument/2006/math">
                     <m:oMathParaPr>
@@ -5707,7 +7883,7 @@
                           <m:chr m:val="⃗"/>
                           <m:ctrlPr>
                             <a:rPr lang="fr-FR" sz="1050" b="0" i="1" smtClean="0">
-                              <a:latin typeface="Cambria Math"/>
+                              <a:latin typeface="Cambria Math" panose="02040503050406030204" pitchFamily="18" charset="0"/>
                             </a:rPr>
                           </m:ctrlPr>
                         </m:accPr>
@@ -5716,7 +7892,7 @@
                             <m:sSubPr>
                               <m:ctrlPr>
                                 <a:rPr lang="fr-FR" sz="1050" i="1">
-                                  <a:latin typeface="Cambria Math"/>
+                                  <a:latin typeface="Cambria Math" panose="02040503050406030204" pitchFamily="18" charset="0"/>
                                 </a:rPr>
                               </m:ctrlPr>
                             </m:sSubPr>
@@ -5747,7 +7923,7 @@
             </p:txBody>
           </p:sp>
         </mc:Choice>
-        <mc:Fallback>
+        <mc:Fallback xmlns="">
           <p:sp>
             <p:nvSpPr>
               <p:cNvPr id="17" name="ZoneTexte 16"/>
@@ -5786,8 +7962,8 @@
           </p:sp>
         </mc:Fallback>
       </mc:AlternateContent>
-      <mc:AlternateContent xmlns:mc="http://schemas.openxmlformats.org/markup-compatibility/2006">
-        <mc:Choice xmlns:a14="http://schemas.microsoft.com/office/drawing/2010/main" Requires="a14">
+      <mc:AlternateContent xmlns:mc="http://schemas.openxmlformats.org/markup-compatibility/2006" xmlns:a14="http://schemas.microsoft.com/office/drawing/2010/main">
+        <mc:Choice Requires="a14">
           <p:sp>
             <p:nvSpPr>
               <p:cNvPr id="18" name="ZoneTexte 17"/>
@@ -5810,6 +7986,7 @@
               </a:bodyPr>
               <a:lstStyle/>
               <a:p>
+                <a:pPr/>
                 <a14:m>
                   <m:oMathPara xmlns:m="http://schemas.openxmlformats.org/officeDocument/2006/math">
                     <m:oMathParaPr>
@@ -5821,7 +7998,7 @@
                           <m:chr m:val="⃗"/>
                           <m:ctrlPr>
                             <a:rPr lang="fr-FR" sz="1050" b="0" i="1" smtClean="0">
-                              <a:latin typeface="Cambria Math"/>
+                              <a:latin typeface="Cambria Math" panose="02040503050406030204" pitchFamily="18" charset="0"/>
                             </a:rPr>
                           </m:ctrlPr>
                         </m:accPr>
@@ -5830,7 +8007,7 @@
                             <m:sSubPr>
                               <m:ctrlPr>
                                 <a:rPr lang="fr-FR" sz="1050" i="1">
-                                  <a:latin typeface="Cambria Math"/>
+                                  <a:latin typeface="Cambria Math" panose="02040503050406030204" pitchFamily="18" charset="0"/>
                                 </a:rPr>
                               </m:ctrlPr>
                             </m:sSubPr>
@@ -5861,7 +8038,7 @@
             </p:txBody>
           </p:sp>
         </mc:Choice>
-        <mc:Fallback>
+        <mc:Fallback xmlns="">
           <p:sp>
             <p:nvSpPr>
               <p:cNvPr id="18" name="ZoneTexte 17"/>
@@ -5900,8 +8077,8 @@
           </p:sp>
         </mc:Fallback>
       </mc:AlternateContent>
-      <mc:AlternateContent xmlns:mc="http://schemas.openxmlformats.org/markup-compatibility/2006">
-        <mc:Choice xmlns:a14="http://schemas.microsoft.com/office/drawing/2010/main" Requires="a14">
+      <mc:AlternateContent xmlns:mc="http://schemas.openxmlformats.org/markup-compatibility/2006" xmlns:a14="http://schemas.microsoft.com/office/drawing/2010/main">
+        <mc:Choice Requires="a14">
           <p:sp>
             <p:nvSpPr>
               <p:cNvPr id="19" name="ZoneTexte 18"/>
@@ -5924,6 +8101,7 @@
               </a:bodyPr>
               <a:lstStyle/>
               <a:p>
+                <a:pPr/>
                 <a14:m>
                   <m:oMathPara xmlns:m="http://schemas.openxmlformats.org/officeDocument/2006/math">
                     <m:oMathParaPr>
@@ -5935,7 +8113,7 @@
                           <m:chr m:val="⃗"/>
                           <m:ctrlPr>
                             <a:rPr lang="fr-FR" sz="1050" b="0" i="1" smtClean="0">
-                              <a:latin typeface="Cambria Math"/>
+                              <a:latin typeface="Cambria Math" panose="02040503050406030204" pitchFamily="18" charset="0"/>
                             </a:rPr>
                           </m:ctrlPr>
                         </m:accPr>
@@ -5944,7 +8122,7 @@
                             <m:sSubPr>
                               <m:ctrlPr>
                                 <a:rPr lang="fr-FR" sz="1050" i="1">
-                                  <a:latin typeface="Cambria Math"/>
+                                  <a:latin typeface="Cambria Math" panose="02040503050406030204" pitchFamily="18" charset="0"/>
                                 </a:rPr>
                               </m:ctrlPr>
                             </m:sSubPr>
@@ -5975,7 +8153,7 @@
             </p:txBody>
           </p:sp>
         </mc:Choice>
-        <mc:Fallback>
+        <mc:Fallback xmlns="">
           <p:sp>
             <p:nvSpPr>
               <p:cNvPr id="19" name="ZoneTexte 18"/>

--- a/Chapitre_01_Energetique/Application_99_Quille/images/Figure.pptx
+++ b/Chapitre_01_Energetique/Application_99_Quille/images/Figure.pptx
@@ -306,7 +306,7 @@
           <a:p>
             <a:fld id="{AA309A6D-C09C-4548-B29A-6CF363A7E532}" type="datetimeFigureOut">
               <a:rPr lang="fr-FR" smtClean="0"/>
-              <a:t>14/12/2018</a:t>
+              <a:t>16/12/2018</a:t>
             </a:fld>
             <a:endParaRPr lang="fr-BE"/>
           </a:p>
@@ -471,7 +471,7 @@
           <a:p>
             <a:fld id="{AA309A6D-C09C-4548-B29A-6CF363A7E532}" type="datetimeFigureOut">
               <a:rPr lang="fr-FR" smtClean="0"/>
-              <a:t>14/12/2018</a:t>
+              <a:t>16/12/2018</a:t>
             </a:fld>
             <a:endParaRPr lang="fr-BE"/>
           </a:p>
@@ -646,7 +646,7 @@
           <a:p>
             <a:fld id="{AA309A6D-C09C-4548-B29A-6CF363A7E532}" type="datetimeFigureOut">
               <a:rPr lang="fr-FR" smtClean="0"/>
-              <a:t>14/12/2018</a:t>
+              <a:t>16/12/2018</a:t>
             </a:fld>
             <a:endParaRPr lang="fr-BE"/>
           </a:p>
@@ -811,7 +811,7 @@
           <a:p>
             <a:fld id="{AA309A6D-C09C-4548-B29A-6CF363A7E532}" type="datetimeFigureOut">
               <a:rPr lang="fr-FR" smtClean="0"/>
-              <a:t>14/12/2018</a:t>
+              <a:t>16/12/2018</a:t>
             </a:fld>
             <a:endParaRPr lang="fr-BE"/>
           </a:p>
@@ -1052,7 +1052,7 @@
           <a:p>
             <a:fld id="{AA309A6D-C09C-4548-B29A-6CF363A7E532}" type="datetimeFigureOut">
               <a:rPr lang="fr-FR" smtClean="0"/>
-              <a:t>14/12/2018</a:t>
+              <a:t>16/12/2018</a:t>
             </a:fld>
             <a:endParaRPr lang="fr-BE"/>
           </a:p>
@@ -1335,7 +1335,7 @@
           <a:p>
             <a:fld id="{AA309A6D-C09C-4548-B29A-6CF363A7E532}" type="datetimeFigureOut">
               <a:rPr lang="fr-FR" smtClean="0"/>
-              <a:t>14/12/2018</a:t>
+              <a:t>16/12/2018</a:t>
             </a:fld>
             <a:endParaRPr lang="fr-BE"/>
           </a:p>
@@ -1752,7 +1752,7 @@
           <a:p>
             <a:fld id="{AA309A6D-C09C-4548-B29A-6CF363A7E532}" type="datetimeFigureOut">
               <a:rPr lang="fr-FR" smtClean="0"/>
-              <a:t>14/12/2018</a:t>
+              <a:t>16/12/2018</a:t>
             </a:fld>
             <a:endParaRPr lang="fr-BE"/>
           </a:p>
@@ -1865,7 +1865,7 @@
           <a:p>
             <a:fld id="{AA309A6D-C09C-4548-B29A-6CF363A7E532}" type="datetimeFigureOut">
               <a:rPr lang="fr-FR" smtClean="0"/>
-              <a:t>14/12/2018</a:t>
+              <a:t>16/12/2018</a:t>
             </a:fld>
             <a:endParaRPr lang="fr-BE"/>
           </a:p>
@@ -1955,7 +1955,7 @@
           <a:p>
             <a:fld id="{AA309A6D-C09C-4548-B29A-6CF363A7E532}" type="datetimeFigureOut">
               <a:rPr lang="fr-FR" smtClean="0"/>
-              <a:t>14/12/2018</a:t>
+              <a:t>16/12/2018</a:t>
             </a:fld>
             <a:endParaRPr lang="fr-BE"/>
           </a:p>
@@ -2227,7 +2227,7 @@
           <a:p>
             <a:fld id="{AA309A6D-C09C-4548-B29A-6CF363A7E532}" type="datetimeFigureOut">
               <a:rPr lang="fr-FR" smtClean="0"/>
-              <a:t>14/12/2018</a:t>
+              <a:t>16/12/2018</a:t>
             </a:fld>
             <a:endParaRPr lang="fr-BE"/>
           </a:p>
@@ -2475,7 +2475,7 @@
           <a:p>
             <a:fld id="{AA309A6D-C09C-4548-B29A-6CF363A7E532}" type="datetimeFigureOut">
               <a:rPr lang="fr-FR" smtClean="0"/>
-              <a:t>14/12/2018</a:t>
+              <a:t>16/12/2018</a:t>
             </a:fld>
             <a:endParaRPr lang="fr-BE"/>
           </a:p>
@@ -2683,7 +2683,7 @@
           <a:p>
             <a:fld id="{AA309A6D-C09C-4548-B29A-6CF363A7E532}" type="datetimeFigureOut">
               <a:rPr lang="fr-FR" smtClean="0"/>
-              <a:t>14/12/2018</a:t>
+              <a:t>16/12/2018</a:t>
             </a:fld>
             <a:endParaRPr lang="fr-BE"/>
           </a:p>
@@ -5598,8 +5598,8 @@
           </a:fontRef>
         </p:style>
       </p:cxnSp>
-      <mc:AlternateContent xmlns:mc="http://schemas.openxmlformats.org/markup-compatibility/2006">
-        <mc:Choice xmlns:a14="http://schemas.microsoft.com/office/drawing/2010/main" Requires="a14">
+      <mc:AlternateContent xmlns:mc="http://schemas.openxmlformats.org/markup-compatibility/2006" xmlns:a14="http://schemas.microsoft.com/office/drawing/2010/main">
+        <mc:Choice Requires="a14">
           <p:sp>
             <p:nvSpPr>
               <p:cNvPr id="44" name="ZoneTexte 43"/>
@@ -5705,7 +5705,7 @@
             </p:txBody>
           </p:sp>
         </mc:Choice>
-        <mc:Fallback>
+        <mc:Fallback xmlns="">
           <p:sp>
             <p:nvSpPr>
               <p:cNvPr id="44" name="ZoneTexte 43"/>
@@ -5744,8 +5744,8 @@
           </p:sp>
         </mc:Fallback>
       </mc:AlternateContent>
-      <mc:AlternateContent xmlns:mc="http://schemas.openxmlformats.org/markup-compatibility/2006">
-        <mc:Choice xmlns:a14="http://schemas.microsoft.com/office/drawing/2010/main" Requires="a14">
+      <mc:AlternateContent xmlns:mc="http://schemas.openxmlformats.org/markup-compatibility/2006" xmlns:a14="http://schemas.microsoft.com/office/drawing/2010/main">
+        <mc:Choice Requires="a14">
           <p:sp>
             <p:nvSpPr>
               <p:cNvPr id="46" name="ZoneTexte 45"/>
@@ -5849,7 +5849,7 @@
             </p:txBody>
           </p:sp>
         </mc:Choice>
-        <mc:Fallback>
+        <mc:Fallback xmlns="">
           <p:sp>
             <p:nvSpPr>
               <p:cNvPr id="46" name="ZoneTexte 45"/>
@@ -5888,8 +5888,8 @@
           </p:sp>
         </mc:Fallback>
       </mc:AlternateContent>
-      <mc:AlternateContent xmlns:mc="http://schemas.openxmlformats.org/markup-compatibility/2006">
-        <mc:Choice xmlns:a14="http://schemas.microsoft.com/office/drawing/2010/main" Requires="a14">
+      <mc:AlternateContent xmlns:mc="http://schemas.openxmlformats.org/markup-compatibility/2006" xmlns:a14="http://schemas.microsoft.com/office/drawing/2010/main">
+        <mc:Choice Requires="a14">
           <p:sp>
             <p:nvSpPr>
               <p:cNvPr id="47" name="ZoneTexte 46"/>
@@ -5993,7 +5993,7 @@
             </p:txBody>
           </p:sp>
         </mc:Choice>
-        <mc:Fallback>
+        <mc:Fallback xmlns="">
           <p:sp>
             <p:nvSpPr>
               <p:cNvPr id="47" name="ZoneTexte 46"/>
@@ -6375,8 +6375,8 @@
         </p:nvSpPr>
         <p:spPr>
           <a:xfrm>
-            <a:off x="576552" y="2282388"/>
-            <a:ext cx="349776" cy="276999"/>
+            <a:off x="588046" y="2110813"/>
+            <a:ext cx="397032" cy="646331"/>
           </a:xfrm>
           <a:prstGeom prst="rect">
             <a:avLst/>
@@ -6389,10 +6389,26 @@
           </a:bodyPr>
           <a:lstStyle/>
           <a:p>
+            <a:pPr algn="ctr"/>
             <a:r>
               <a:rPr lang="fr-FR" sz="1200" b="1" dirty="0"/>
               <a:t>Ph</a:t>
             </a:r>
+          </a:p>
+          <a:p>
+            <a:pPr algn="ctr"/>
+            <a:r>
+              <a:rPr lang="fr-FR" sz="1200" b="1" dirty="0"/>
+              <a:t>+ </a:t>
+            </a:r>
+          </a:p>
+          <a:p>
+            <a:pPr algn="ctr"/>
+            <a:r>
+              <a:rPr lang="fr-FR" sz="1200" b="1" dirty="0" err="1"/>
+              <a:t>Phf</a:t>
+            </a:r>
+            <a:endParaRPr lang="fr-FR" sz="1200" b="1" dirty="0"/>
           </a:p>
         </p:txBody>
       </p:sp>
@@ -6404,8 +6420,8 @@
         </p:nvSpPr>
         <p:spPr>
           <a:xfrm>
-            <a:off x="1773870" y="2266878"/>
-            <a:ext cx="349776" cy="276999"/>
+            <a:off x="1753550" y="2081168"/>
+            <a:ext cx="397032" cy="646331"/>
           </a:xfrm>
           <a:prstGeom prst="rect">
             <a:avLst/>
@@ -6418,10 +6434,26 @@
           </a:bodyPr>
           <a:lstStyle/>
           <a:p>
+            <a:pPr algn="ctr"/>
             <a:r>
               <a:rPr lang="fr-FR" sz="1200" b="1" dirty="0"/>
               <a:t>Ph</a:t>
             </a:r>
+          </a:p>
+          <a:p>
+            <a:pPr algn="ctr"/>
+            <a:r>
+              <a:rPr lang="fr-FR" sz="1200" b="1" dirty="0"/>
+              <a:t>+</a:t>
+            </a:r>
+          </a:p>
+          <a:p>
+            <a:pPr algn="ctr"/>
+            <a:r>
+              <a:rPr lang="fr-FR" sz="1200" b="1" dirty="0" err="1"/>
+              <a:t>Phf</a:t>
+            </a:r>
+            <a:endParaRPr lang="fr-FR" sz="1200" b="1" dirty="0"/>
           </a:p>
         </p:txBody>
       </p:sp>
@@ -6433,8 +6465,8 @@
         </p:nvSpPr>
         <p:spPr>
           <a:xfrm>
-            <a:off x="447909" y="3844266"/>
-            <a:ext cx="1802096" cy="276999"/>
+            <a:off x="-580891" y="5445224"/>
+            <a:ext cx="824906" cy="830997"/>
           </a:xfrm>
           <a:prstGeom prst="rect">
             <a:avLst/>
@@ -6442,7 +6474,7 @@
           <a:noFill/>
         </p:spPr>
         <p:txBody>
-          <a:bodyPr wrap="none" rtlCol="0">
+          <a:bodyPr wrap="square" rtlCol="0">
             <a:spAutoFit/>
           </a:bodyPr>
           <a:lstStyle/>
@@ -6515,7 +6547,7 @@
         <p:spPr>
           <a:xfrm>
             <a:off x="919186" y="3445295"/>
-            <a:ext cx="824906" cy="276999"/>
+            <a:ext cx="824906" cy="646331"/>
           </a:xfrm>
           <a:prstGeom prst="rect">
             <a:avLst/>
@@ -6528,15 +6560,30 @@
           </a:bodyPr>
           <a:lstStyle/>
           <a:p>
+            <a:pPr algn="ctr"/>
             <a:r>
               <a:rPr lang="fr-FR" sz="1200" b="1" dirty="0"/>
               <a:t>Pesanteur</a:t>
             </a:r>
           </a:p>
-        </p:txBody>
-      </p:sp>
-      <mc:AlternateContent xmlns:mc="http://schemas.openxmlformats.org/markup-compatibility/2006">
-        <mc:Choice xmlns:a14="http://schemas.microsoft.com/office/drawing/2010/main" Requires="a14">
+          <a:p>
+            <a:pPr algn="ctr"/>
+            <a:r>
+              <a:rPr lang="fr-FR" sz="1200" b="1" dirty="0"/>
+              <a:t>+ </a:t>
+            </a:r>
+          </a:p>
+          <a:p>
+            <a:pPr algn="ctr"/>
+            <a:r>
+              <a:rPr lang="fr-FR" sz="1200" b="1" dirty="0"/>
+              <a:t>Eau</a:t>
+            </a:r>
+          </a:p>
+        </p:txBody>
+      </p:sp>
+      <mc:AlternateContent xmlns:mc="http://schemas.openxmlformats.org/markup-compatibility/2006" xmlns:a14="http://schemas.microsoft.com/office/drawing/2010/main">
+        <mc:Choice Requires="a14">
           <p:sp>
             <p:nvSpPr>
               <p:cNvPr id="34" name="ZoneTexte 33">
@@ -6648,7 +6695,7 @@
             </p:txBody>
           </p:sp>
         </mc:Choice>
-        <mc:Fallback>
+        <mc:Fallback xmlns="">
           <p:sp>
             <p:nvSpPr>
               <p:cNvPr id="34" name="ZoneTexte 33">
@@ -6693,8 +6740,8 @@
           </p:sp>
         </mc:Fallback>
       </mc:AlternateContent>
-      <mc:AlternateContent xmlns:mc="http://schemas.openxmlformats.org/markup-compatibility/2006">
-        <mc:Choice xmlns:a14="http://schemas.microsoft.com/office/drawing/2010/main" Requires="a14">
+      <mc:AlternateContent xmlns:mc="http://schemas.openxmlformats.org/markup-compatibility/2006" xmlns:a14="http://schemas.microsoft.com/office/drawing/2010/main">
+        <mc:Choice Requires="a14">
           <p:sp>
             <p:nvSpPr>
               <p:cNvPr id="36" name="ZoneTexte 35">
@@ -6806,7 +6853,7 @@
             </p:txBody>
           </p:sp>
         </mc:Choice>
-        <mc:Fallback>
+        <mc:Fallback xmlns="">
           <p:sp>
             <p:nvSpPr>
               <p:cNvPr id="36" name="ZoneTexte 35">
@@ -6851,8 +6898,8 @@
           </p:sp>
         </mc:Fallback>
       </mc:AlternateContent>
-      <mc:AlternateContent xmlns:mc="http://schemas.openxmlformats.org/markup-compatibility/2006">
-        <mc:Choice xmlns:a14="http://schemas.microsoft.com/office/drawing/2010/main" Requires="a14">
+      <mc:AlternateContent xmlns:mc="http://schemas.openxmlformats.org/markup-compatibility/2006" xmlns:a14="http://schemas.microsoft.com/office/drawing/2010/main">
+        <mc:Choice Requires="a14">
           <p:sp>
             <p:nvSpPr>
               <p:cNvPr id="37" name="ZoneTexte 36">
@@ -6964,7 +7011,7 @@
             </p:txBody>
           </p:sp>
         </mc:Choice>
-        <mc:Fallback>
+        <mc:Fallback xmlns="">
           <p:sp>
             <p:nvSpPr>
               <p:cNvPr id="37" name="ZoneTexte 36">
@@ -7009,8 +7056,8 @@
           </p:sp>
         </mc:Fallback>
       </mc:AlternateContent>
-      <mc:AlternateContent xmlns:mc="http://schemas.openxmlformats.org/markup-compatibility/2006">
-        <mc:Choice xmlns:a14="http://schemas.microsoft.com/office/drawing/2010/main" Requires="a14">
+      <mc:AlternateContent xmlns:mc="http://schemas.openxmlformats.org/markup-compatibility/2006" xmlns:a14="http://schemas.microsoft.com/office/drawing/2010/main">
+        <mc:Choice Requires="a14">
           <p:sp>
             <p:nvSpPr>
               <p:cNvPr id="38" name="ZoneTexte 37">
@@ -7122,7 +7169,7 @@
             </p:txBody>
           </p:sp>
         </mc:Choice>
-        <mc:Fallback>
+        <mc:Fallback xmlns="">
           <p:sp>
             <p:nvSpPr>
               <p:cNvPr id="38" name="ZoneTexte 37">
